--- a/2D Personal Game Project/새 Microsoft PowerPoint 프레젠테이션.pptx
+++ b/2D Personal Game Project/새 Microsoft PowerPoint 프레젠테이션.pptx
@@ -120,7 +120,7 @@
   </p:defaultTextStyle>
   <p:extLst>
     <p:ext uri="{EFAFB233-063F-42B5-8137-9DF3F51BA10A}">
-      <p15:sldGuideLst xmlns:p15="http://schemas.microsoft.com/office/powerpoint/2012/main" xmlns="">
+      <p15:sldGuideLst xmlns:p15="http://schemas.microsoft.com/office/powerpoint/2012/main">
         <p15:guide id="1" orient="horz" pos="2160">
           <p15:clr>
             <a:srgbClr val="A4A3A4"/>
@@ -325,7 +325,7 @@
           <a:p>
             <a:fld id="{FB30EDBD-1C2D-4C1E-B459-B60219FAB484}" type="datetimeFigureOut">
               <a:rPr lang="ko-KR" altLang="en-US" smtClean="0"/>
-              <a:t>2020-11-20</a:t>
+              <a:t>2020-11-21</a:t>
             </a:fld>
             <a:endParaRPr lang="ko-KR" altLang="en-US"/>
           </a:p>
@@ -525,7 +525,7 @@
           <a:p>
             <a:fld id="{FB30EDBD-1C2D-4C1E-B459-B60219FAB484}" type="datetimeFigureOut">
               <a:rPr lang="ko-KR" altLang="en-US" smtClean="0"/>
-              <a:t>2020-11-20</a:t>
+              <a:t>2020-11-21</a:t>
             </a:fld>
             <a:endParaRPr lang="ko-KR" altLang="en-US"/>
           </a:p>
@@ -700,7 +700,7 @@
           <a:p>
             <a:fld id="{FB30EDBD-1C2D-4C1E-B459-B60219FAB484}" type="datetimeFigureOut">
               <a:rPr lang="ko-KR" altLang="en-US" smtClean="0"/>
-              <a:t>2020-11-20</a:t>
+              <a:t>2020-11-21</a:t>
             </a:fld>
             <a:endParaRPr lang="ko-KR" altLang="en-US"/>
           </a:p>
@@ -865,7 +865,7 @@
           <a:p>
             <a:fld id="{FB30EDBD-1C2D-4C1E-B459-B60219FAB484}" type="datetimeFigureOut">
               <a:rPr lang="ko-KR" altLang="en-US" smtClean="0"/>
-              <a:t>2020-11-20</a:t>
+              <a:t>2020-11-21</a:t>
             </a:fld>
             <a:endParaRPr lang="ko-KR" altLang="en-US"/>
           </a:p>
@@ -1113,7 +1113,7 @@
           <a:p>
             <a:fld id="{FB30EDBD-1C2D-4C1E-B459-B60219FAB484}" type="datetimeFigureOut">
               <a:rPr lang="ko-KR" altLang="en-US" smtClean="0"/>
-              <a:t>2020-11-20</a:t>
+              <a:t>2020-11-21</a:t>
             </a:fld>
             <a:endParaRPr lang="ko-KR" altLang="en-US"/>
           </a:p>
@@ -1431,7 +1431,7 @@
           <a:p>
             <a:fld id="{FB30EDBD-1C2D-4C1E-B459-B60219FAB484}" type="datetimeFigureOut">
               <a:rPr lang="ko-KR" altLang="en-US" smtClean="0"/>
-              <a:t>2020-11-20</a:t>
+              <a:t>2020-11-21</a:t>
             </a:fld>
             <a:endParaRPr lang="ko-KR" altLang="en-US"/>
           </a:p>
@@ -1897,7 +1897,7 @@
           <a:p>
             <a:fld id="{FB30EDBD-1C2D-4C1E-B459-B60219FAB484}" type="datetimeFigureOut">
               <a:rPr lang="ko-KR" altLang="en-US" smtClean="0"/>
-              <a:t>2020-11-20</a:t>
+              <a:t>2020-11-21</a:t>
             </a:fld>
             <a:endParaRPr lang="ko-KR" altLang="en-US"/>
           </a:p>
@@ -2045,7 +2045,7 @@
           <a:p>
             <a:fld id="{FB30EDBD-1C2D-4C1E-B459-B60219FAB484}" type="datetimeFigureOut">
               <a:rPr lang="ko-KR" altLang="en-US" smtClean="0"/>
-              <a:t>2020-11-20</a:t>
+              <a:t>2020-11-21</a:t>
             </a:fld>
             <a:endParaRPr lang="ko-KR" altLang="en-US"/>
           </a:p>
@@ -2135,7 +2135,7 @@
           <a:p>
             <a:fld id="{FB30EDBD-1C2D-4C1E-B459-B60219FAB484}" type="datetimeFigureOut">
               <a:rPr lang="ko-KR" altLang="en-US" smtClean="0"/>
-              <a:t>2020-11-20</a:t>
+              <a:t>2020-11-21</a:t>
             </a:fld>
             <a:endParaRPr lang="ko-KR" altLang="en-US"/>
           </a:p>
@@ -2409,7 +2409,7 @@
           <a:p>
             <a:fld id="{FB30EDBD-1C2D-4C1E-B459-B60219FAB484}" type="datetimeFigureOut">
               <a:rPr lang="ko-KR" altLang="en-US" smtClean="0"/>
-              <a:t>2020-11-20</a:t>
+              <a:t>2020-11-21</a:t>
             </a:fld>
             <a:endParaRPr lang="ko-KR" altLang="en-US"/>
           </a:p>
@@ -2714,7 +2714,7 @@
           <a:p>
             <a:fld id="{FB30EDBD-1C2D-4C1E-B459-B60219FAB484}" type="datetimeFigureOut">
               <a:rPr lang="ko-KR" altLang="en-US" smtClean="0"/>
-              <a:t>2020-11-20</a:t>
+              <a:t>2020-11-21</a:t>
             </a:fld>
             <a:endParaRPr lang="ko-KR" altLang="en-US"/>
           </a:p>
@@ -3012,7 +3012,7 @@
           <a:p>
             <a:fld id="{FB30EDBD-1C2D-4C1E-B459-B60219FAB484}" type="datetimeFigureOut">
               <a:rPr lang="ko-KR" altLang="en-US" smtClean="0"/>
-              <a:t>2020-11-20</a:t>
+              <a:t>2020-11-21</a:t>
             </a:fld>
             <a:endParaRPr lang="ko-KR" altLang="en-US"/>
           </a:p>
@@ -4689,21 +4689,21 @@
                 <a:gridCol w="2384152">
                   <a:extLst>
                     <a:ext uri="{9D8B030D-6E8A-4147-A177-3AD203B41FA5}">
-                      <a16:colId xmlns:a16="http://schemas.microsoft.com/office/drawing/2014/main" xmlns="" val="20000"/>
+                      <a16:colId xmlns:a16="http://schemas.microsoft.com/office/drawing/2014/main" val="20000"/>
                     </a:ext>
                   </a:extLst>
                 </a:gridCol>
                 <a:gridCol w="2384152">
                   <a:extLst>
                     <a:ext uri="{9D8B030D-6E8A-4147-A177-3AD203B41FA5}">
-                      <a16:colId xmlns:a16="http://schemas.microsoft.com/office/drawing/2014/main" xmlns="" val="20001"/>
+                      <a16:colId xmlns:a16="http://schemas.microsoft.com/office/drawing/2014/main" val="20001"/>
                     </a:ext>
                   </a:extLst>
                 </a:gridCol>
                 <a:gridCol w="2384152">
                   <a:extLst>
                     <a:ext uri="{9D8B030D-6E8A-4147-A177-3AD203B41FA5}">
-                      <a16:colId xmlns:a16="http://schemas.microsoft.com/office/drawing/2014/main" xmlns="" val="20002"/>
+                      <a16:colId xmlns:a16="http://schemas.microsoft.com/office/drawing/2014/main" val="20002"/>
                     </a:ext>
                   </a:extLst>
                 </a:gridCol>
@@ -4762,7 +4762,7 @@
                 </a:tc>
                 <a:extLst>
                   <a:ext uri="{0D108BD9-81ED-4DB2-BD59-A6C34878D82A}">
-                    <a16:rowId xmlns:a16="http://schemas.microsoft.com/office/drawing/2014/main" xmlns="" val="10000"/>
+                    <a16:rowId xmlns:a16="http://schemas.microsoft.com/office/drawing/2014/main" val="10000"/>
                   </a:ext>
                 </a:extLst>
               </a:tr>
@@ -4835,7 +4835,7 @@
                 </a:tc>
                 <a:extLst>
                   <a:ext uri="{0D108BD9-81ED-4DB2-BD59-A6C34878D82A}">
-                    <a16:rowId xmlns:a16="http://schemas.microsoft.com/office/drawing/2014/main" xmlns="" val="10001"/>
+                    <a16:rowId xmlns:a16="http://schemas.microsoft.com/office/drawing/2014/main" val="10001"/>
                   </a:ext>
                 </a:extLst>
               </a:tr>
@@ -4936,7 +4936,7 @@
                 </a:tc>
                 <a:extLst>
                   <a:ext uri="{0D108BD9-81ED-4DB2-BD59-A6C34878D82A}">
-                    <a16:rowId xmlns:a16="http://schemas.microsoft.com/office/drawing/2014/main" xmlns="" val="10002"/>
+                    <a16:rowId xmlns:a16="http://schemas.microsoft.com/office/drawing/2014/main" val="10002"/>
                   </a:ext>
                 </a:extLst>
               </a:tr>
@@ -5082,7 +5082,7 @@
                 </a:tc>
                 <a:extLst>
                   <a:ext uri="{0D108BD9-81ED-4DB2-BD59-A6C34878D82A}">
-                    <a16:rowId xmlns:a16="http://schemas.microsoft.com/office/drawing/2014/main" xmlns="" val="10003"/>
+                    <a16:rowId xmlns:a16="http://schemas.microsoft.com/office/drawing/2014/main" val="10003"/>
                   </a:ext>
                 </a:extLst>
               </a:tr>
@@ -5201,7 +5201,7 @@
                 </a:tc>
                 <a:extLst>
                   <a:ext uri="{0D108BD9-81ED-4DB2-BD59-A6C34878D82A}">
-                    <a16:rowId xmlns:a16="http://schemas.microsoft.com/office/drawing/2014/main" xmlns="" val="10004"/>
+                    <a16:rowId xmlns:a16="http://schemas.microsoft.com/office/drawing/2014/main" val="10004"/>
                   </a:ext>
                 </a:extLst>
               </a:tr>
@@ -5344,7 +5344,7 @@
                 </a:tc>
                 <a:extLst>
                   <a:ext uri="{0D108BD9-81ED-4DB2-BD59-A6C34878D82A}">
-                    <a16:rowId xmlns:a16="http://schemas.microsoft.com/office/drawing/2014/main" xmlns="" val="10005"/>
+                    <a16:rowId xmlns:a16="http://schemas.microsoft.com/office/drawing/2014/main" val="10005"/>
                   </a:ext>
                 </a:extLst>
               </a:tr>
@@ -5414,7 +5414,7 @@
                 </a:tc>
                 <a:extLst>
                   <a:ext uri="{0D108BD9-81ED-4DB2-BD59-A6C34878D82A}">
-                    <a16:rowId xmlns:a16="http://schemas.microsoft.com/office/drawing/2014/main" xmlns="" val="10006"/>
+                    <a16:rowId xmlns:a16="http://schemas.microsoft.com/office/drawing/2014/main" val="10006"/>
                   </a:ext>
                 </a:extLst>
               </a:tr>
@@ -5564,21 +5564,21 @@
                 <a:gridCol w="2384152">
                   <a:extLst>
                     <a:ext uri="{9D8B030D-6E8A-4147-A177-3AD203B41FA5}">
-                      <a16:colId xmlns:a16="http://schemas.microsoft.com/office/drawing/2014/main" xmlns="" val="20000"/>
+                      <a16:colId xmlns:a16="http://schemas.microsoft.com/office/drawing/2014/main" val="20000"/>
                     </a:ext>
                   </a:extLst>
                 </a:gridCol>
                 <a:gridCol w="2384152">
                   <a:extLst>
                     <a:ext uri="{9D8B030D-6E8A-4147-A177-3AD203B41FA5}">
-                      <a16:colId xmlns:a16="http://schemas.microsoft.com/office/drawing/2014/main" xmlns="" val="20001"/>
+                      <a16:colId xmlns:a16="http://schemas.microsoft.com/office/drawing/2014/main" val="20001"/>
                     </a:ext>
                   </a:extLst>
                 </a:gridCol>
                 <a:gridCol w="2384152">
                   <a:extLst>
                     <a:ext uri="{9D8B030D-6E8A-4147-A177-3AD203B41FA5}">
-                      <a16:colId xmlns:a16="http://schemas.microsoft.com/office/drawing/2014/main" xmlns="" val="20002"/>
+                      <a16:colId xmlns:a16="http://schemas.microsoft.com/office/drawing/2014/main" val="20002"/>
                     </a:ext>
                   </a:extLst>
                 </a:gridCol>
@@ -5637,7 +5637,7 @@
                 </a:tc>
                 <a:extLst>
                   <a:ext uri="{0D108BD9-81ED-4DB2-BD59-A6C34878D82A}">
-                    <a16:rowId xmlns:a16="http://schemas.microsoft.com/office/drawing/2014/main" xmlns="" val="10000"/>
+                    <a16:rowId xmlns:a16="http://schemas.microsoft.com/office/drawing/2014/main" val="10000"/>
                   </a:ext>
                 </a:extLst>
               </a:tr>
@@ -5721,7 +5721,7 @@
                 </a:tc>
                 <a:extLst>
                   <a:ext uri="{0D108BD9-81ED-4DB2-BD59-A6C34878D82A}">
-                    <a16:rowId xmlns:a16="http://schemas.microsoft.com/office/drawing/2014/main" xmlns="" val="10001"/>
+                    <a16:rowId xmlns:a16="http://schemas.microsoft.com/office/drawing/2014/main" val="10001"/>
                   </a:ext>
                 </a:extLst>
               </a:tr>
@@ -5867,7 +5867,7 @@
                 </a:tc>
                 <a:extLst>
                   <a:ext uri="{0D108BD9-81ED-4DB2-BD59-A6C34878D82A}">
-                    <a16:rowId xmlns:a16="http://schemas.microsoft.com/office/drawing/2014/main" xmlns="" val="10002"/>
+                    <a16:rowId xmlns:a16="http://schemas.microsoft.com/office/drawing/2014/main" val="10002"/>
                   </a:ext>
                 </a:extLst>
               </a:tr>
@@ -5999,7 +5999,7 @@
                 </a:tc>
                 <a:extLst>
                   <a:ext uri="{0D108BD9-81ED-4DB2-BD59-A6C34878D82A}">
-                    <a16:rowId xmlns:a16="http://schemas.microsoft.com/office/drawing/2014/main" xmlns="" val="10003"/>
+                    <a16:rowId xmlns:a16="http://schemas.microsoft.com/office/drawing/2014/main" val="10003"/>
                   </a:ext>
                 </a:extLst>
               </a:tr>
@@ -6125,7 +6125,7 @@
                 </a:tc>
                 <a:extLst>
                   <a:ext uri="{0D108BD9-81ED-4DB2-BD59-A6C34878D82A}">
-                    <a16:rowId xmlns:a16="http://schemas.microsoft.com/office/drawing/2014/main" xmlns="" val="10004"/>
+                    <a16:rowId xmlns:a16="http://schemas.microsoft.com/office/drawing/2014/main" val="10004"/>
                   </a:ext>
                 </a:extLst>
               </a:tr>
@@ -6244,7 +6244,7 @@
                 </a:tc>
                 <a:extLst>
                   <a:ext uri="{0D108BD9-81ED-4DB2-BD59-A6C34878D82A}">
-                    <a16:rowId xmlns:a16="http://schemas.microsoft.com/office/drawing/2014/main" xmlns="" val="10005"/>
+                    <a16:rowId xmlns:a16="http://schemas.microsoft.com/office/drawing/2014/main" val="10005"/>
                   </a:ext>
                 </a:extLst>
               </a:tr>
@@ -6328,7 +6328,7 @@
                 </a:tc>
                 <a:extLst>
                   <a:ext uri="{0D108BD9-81ED-4DB2-BD59-A6C34878D82A}">
-                    <a16:rowId xmlns:a16="http://schemas.microsoft.com/office/drawing/2014/main" xmlns="" val="10006"/>
+                    <a16:rowId xmlns:a16="http://schemas.microsoft.com/office/drawing/2014/main" val="10006"/>
                   </a:ext>
                 </a:extLst>
               </a:tr>
@@ -6459,7 +6459,7 @@
           <p:nvPr>
             <p:extLst>
               <p:ext uri="{D42A27DB-BD31-4B8C-83A1-F6EECF244321}">
-                <p14:modId xmlns:p14="http://schemas.microsoft.com/office/powerpoint/2010/main" val="1750704606"/>
+                <p14:modId xmlns:p14="http://schemas.microsoft.com/office/powerpoint/2010/main" val="3403995206"/>
               </p:ext>
             </p:extLst>
           </p:nvPr>
@@ -6478,21 +6478,21 @@
                 <a:gridCol w="2384152">
                   <a:extLst>
                     <a:ext uri="{9D8B030D-6E8A-4147-A177-3AD203B41FA5}">
-                      <a16:colId xmlns:a16="http://schemas.microsoft.com/office/drawing/2014/main" xmlns="" val="20000"/>
+                      <a16:colId xmlns:a16="http://schemas.microsoft.com/office/drawing/2014/main" val="20000"/>
                     </a:ext>
                   </a:extLst>
                 </a:gridCol>
                 <a:gridCol w="2384152">
                   <a:extLst>
                     <a:ext uri="{9D8B030D-6E8A-4147-A177-3AD203B41FA5}">
-                      <a16:colId xmlns:a16="http://schemas.microsoft.com/office/drawing/2014/main" xmlns="" val="20001"/>
+                      <a16:colId xmlns:a16="http://schemas.microsoft.com/office/drawing/2014/main" val="20001"/>
                     </a:ext>
                   </a:extLst>
                 </a:gridCol>
                 <a:gridCol w="2384152">
                   <a:extLst>
                     <a:ext uri="{9D8B030D-6E8A-4147-A177-3AD203B41FA5}">
-                      <a16:colId xmlns:a16="http://schemas.microsoft.com/office/drawing/2014/main" xmlns="" val="20002"/>
+                      <a16:colId xmlns:a16="http://schemas.microsoft.com/office/drawing/2014/main" val="20002"/>
                     </a:ext>
                   </a:extLst>
                 </a:gridCol>
@@ -6551,7 +6551,7 @@
                 </a:tc>
                 <a:extLst>
                   <a:ext uri="{0D108BD9-81ED-4DB2-BD59-A6C34878D82A}">
-                    <a16:rowId xmlns:a16="http://schemas.microsoft.com/office/drawing/2014/main" xmlns="" val="10000"/>
+                    <a16:rowId xmlns:a16="http://schemas.microsoft.com/office/drawing/2014/main" val="10000"/>
                   </a:ext>
                 </a:extLst>
               </a:tr>
@@ -6635,7 +6635,7 @@
                 </a:tc>
                 <a:extLst>
                   <a:ext uri="{0D108BD9-81ED-4DB2-BD59-A6C34878D82A}">
-                    <a16:rowId xmlns:a16="http://schemas.microsoft.com/office/drawing/2014/main" xmlns="" val="10001"/>
+                    <a16:rowId xmlns:a16="http://schemas.microsoft.com/office/drawing/2014/main" val="10001"/>
                   </a:ext>
                 </a:extLst>
               </a:tr>
@@ -6792,7 +6792,7 @@
                 </a:tc>
                 <a:extLst>
                   <a:ext uri="{0D108BD9-81ED-4DB2-BD59-A6C34878D82A}">
-                    <a16:rowId xmlns:a16="http://schemas.microsoft.com/office/drawing/2014/main" xmlns="" val="10002"/>
+                    <a16:rowId xmlns:a16="http://schemas.microsoft.com/office/drawing/2014/main" val="10002"/>
                   </a:ext>
                 </a:extLst>
               </a:tr>
@@ -6994,7 +6994,7 @@
                 </a:tc>
                 <a:extLst>
                   <a:ext uri="{0D108BD9-81ED-4DB2-BD59-A6C34878D82A}">
-                    <a16:rowId xmlns:a16="http://schemas.microsoft.com/office/drawing/2014/main" xmlns="" val="10003"/>
+                    <a16:rowId xmlns:a16="http://schemas.microsoft.com/office/drawing/2014/main" val="10003"/>
                   </a:ext>
                 </a:extLst>
               </a:tr>
@@ -7092,7 +7092,7 @@
                 </a:tc>
                 <a:extLst>
                   <a:ext uri="{0D108BD9-81ED-4DB2-BD59-A6C34878D82A}">
-                    <a16:rowId xmlns:a16="http://schemas.microsoft.com/office/drawing/2014/main" xmlns="" val="10004"/>
+                    <a16:rowId xmlns:a16="http://schemas.microsoft.com/office/drawing/2014/main" val="10004"/>
                   </a:ext>
                 </a:extLst>
               </a:tr>
@@ -7125,20 +7125,20 @@
                     <a:p>
                       <a:pPr algn="ctr" latinLnBrk="1"/>
                       <a:r>
-                        <a:rPr lang="ko-KR" altLang="en-US" sz="1400" dirty="0" smtClean="0">
+                        <a:rPr lang="ko-KR" altLang="en-US" sz="1400" dirty="0">
                           <a:latin typeface="Noto Sans KR Medium" pitchFamily="34" charset="-127"/>
                           <a:ea typeface="Noto Sans KR Medium" pitchFamily="34" charset="-127"/>
                         </a:rPr>
                         <a:t>사운드</a:t>
                       </a:r>
                       <a:r>
-                        <a:rPr lang="ko-KR" altLang="en-US" sz="1400" baseline="0" dirty="0" smtClean="0">
+                        <a:rPr lang="ko-KR" altLang="en-US" sz="1400" baseline="0" dirty="0">
                           <a:latin typeface="Noto Sans KR Medium" pitchFamily="34" charset="-127"/>
                           <a:ea typeface="Noto Sans KR Medium" pitchFamily="34" charset="-127"/>
                         </a:rPr>
                         <a:t> 작업</a:t>
                       </a:r>
-                      <a:endParaRPr lang="en-US" altLang="ko-KR" sz="1400" baseline="0" dirty="0" smtClean="0">
+                      <a:endParaRPr lang="en-US" altLang="ko-KR" sz="1400" baseline="0" dirty="0">
                         <a:latin typeface="Noto Sans KR Medium" pitchFamily="34" charset="-127"/>
                         <a:ea typeface="Noto Sans KR Medium" pitchFamily="34" charset="-127"/>
                       </a:endParaRPr>
@@ -7146,7 +7146,7 @@
                     <a:p>
                       <a:pPr algn="ctr" latinLnBrk="1"/>
                       <a:r>
-                        <a:rPr lang="ko-KR" altLang="en-US" sz="1400" baseline="0" dirty="0" smtClean="0">
+                        <a:rPr lang="ko-KR" altLang="en-US" sz="1400" baseline="0" dirty="0">
                           <a:latin typeface="Noto Sans KR Medium" pitchFamily="34" charset="-127"/>
                           <a:ea typeface="Noto Sans KR Medium" pitchFamily="34" charset="-127"/>
                         </a:rPr>
@@ -7167,28 +7167,28 @@
                     <a:p>
                       <a:pPr algn="ctr" latinLnBrk="1"/>
                       <a:r>
-                        <a:rPr lang="ko-KR" altLang="en-US" sz="1400" dirty="0" smtClean="0">
+                        <a:rPr lang="ko-KR" altLang="en-US" sz="1400" dirty="0">
                           <a:latin typeface="Noto Sans KR Medium" pitchFamily="34" charset="-127"/>
                           <a:ea typeface="Noto Sans KR Medium" pitchFamily="34" charset="-127"/>
                         </a:rPr>
                         <a:t>플레이어 공격</a:t>
                       </a:r>
                       <a:r>
-                        <a:rPr lang="en-US" altLang="ko-KR" sz="1400" dirty="0" smtClean="0">
+                        <a:rPr lang="en-US" altLang="ko-KR" sz="1400" dirty="0">
                           <a:latin typeface="Noto Sans KR Medium" pitchFamily="34" charset="-127"/>
                           <a:ea typeface="Noto Sans KR Medium" pitchFamily="34" charset="-127"/>
                         </a:rPr>
                         <a:t>, </a:t>
                       </a:r>
                       <a:r>
-                        <a:rPr lang="ko-KR" altLang="en-US" sz="1400" dirty="0" smtClean="0">
+                        <a:rPr lang="ko-KR" altLang="en-US" sz="1400" dirty="0">
                           <a:latin typeface="Noto Sans KR Medium" pitchFamily="34" charset="-127"/>
                           <a:ea typeface="Noto Sans KR Medium" pitchFamily="34" charset="-127"/>
                         </a:rPr>
                         <a:t>스킬</a:t>
                       </a:r>
                       <a:r>
-                        <a:rPr lang="en-US" altLang="ko-KR" sz="1400" dirty="0" smtClean="0">
+                        <a:rPr lang="en-US" altLang="ko-KR" sz="1400" dirty="0">
                           <a:latin typeface="Noto Sans KR Medium" pitchFamily="34" charset="-127"/>
                           <a:ea typeface="Noto Sans KR Medium" pitchFamily="34" charset="-127"/>
                         </a:rPr>
@@ -7198,35 +7198,35 @@
                     <a:p>
                       <a:pPr algn="ctr" latinLnBrk="1"/>
                       <a:r>
-                        <a:rPr lang="ko-KR" altLang="en-US" sz="1400" dirty="0" smtClean="0">
+                        <a:rPr lang="ko-KR" altLang="en-US" sz="1400" dirty="0">
                           <a:latin typeface="Noto Sans KR Medium" pitchFamily="34" charset="-127"/>
                           <a:ea typeface="Noto Sans KR Medium" pitchFamily="34" charset="-127"/>
                         </a:rPr>
                         <a:t>오브젝트</a:t>
                       </a:r>
                       <a:r>
-                        <a:rPr lang="en-US" altLang="ko-KR" sz="1400" dirty="0" smtClean="0">
+                        <a:rPr lang="en-US" altLang="ko-KR" sz="1400" dirty="0">
                           <a:latin typeface="Noto Sans KR Medium" pitchFamily="34" charset="-127"/>
                           <a:ea typeface="Noto Sans KR Medium" pitchFamily="34" charset="-127"/>
                         </a:rPr>
                         <a:t>,</a:t>
                       </a:r>
                       <a:r>
-                        <a:rPr lang="en-US" altLang="ko-KR" sz="1400" baseline="0" dirty="0" smtClean="0">
+                        <a:rPr lang="en-US" altLang="ko-KR" sz="1400" baseline="0" dirty="0">
                           <a:latin typeface="Noto Sans KR Medium" pitchFamily="34" charset="-127"/>
                           <a:ea typeface="Noto Sans KR Medium" pitchFamily="34" charset="-127"/>
                         </a:rPr>
                         <a:t> </a:t>
                       </a:r>
                       <a:r>
-                        <a:rPr lang="ko-KR" altLang="en-US" sz="1400" baseline="0" dirty="0" err="1" smtClean="0">
+                        <a:rPr lang="ko-KR" altLang="en-US" sz="1400" baseline="0" dirty="0" err="1">
                           <a:latin typeface="Noto Sans KR Medium" pitchFamily="34" charset="-127"/>
                           <a:ea typeface="Noto Sans KR Medium" pitchFamily="34" charset="-127"/>
                         </a:rPr>
                         <a:t>기믹</a:t>
                       </a:r>
                       <a:r>
-                        <a:rPr lang="en-US" altLang="ko-KR" sz="1400" baseline="0" dirty="0" smtClean="0">
+                        <a:rPr lang="en-US" altLang="ko-KR" sz="1400" baseline="0" dirty="0">
                           <a:latin typeface="Noto Sans KR Medium" pitchFamily="34" charset="-127"/>
                           <a:ea typeface="Noto Sans KR Medium" pitchFamily="34" charset="-127"/>
                         </a:rPr>
@@ -7236,13 +7236,13 @@
                     <a:p>
                       <a:pPr algn="ctr" latinLnBrk="1"/>
                       <a:r>
-                        <a:rPr lang="en-US" altLang="ko-KR" sz="1400" baseline="0" dirty="0" smtClean="0">
+                        <a:rPr lang="en-US" altLang="ko-KR" sz="1400" baseline="0" dirty="0">
                           <a:latin typeface="Noto Sans KR Medium" pitchFamily="34" charset="-127"/>
                           <a:ea typeface="Noto Sans KR Medium" pitchFamily="34" charset="-127"/>
                         </a:rPr>
                         <a:t>BGM</a:t>
                       </a:r>
-                      <a:endParaRPr lang="en-US" altLang="ko-KR" sz="1400" dirty="0" smtClean="0">
+                      <a:endParaRPr lang="en-US" altLang="ko-KR" sz="1400" dirty="0">
                         <a:latin typeface="Noto Sans KR Medium" pitchFamily="34" charset="-127"/>
                         <a:ea typeface="Noto Sans KR Medium" pitchFamily="34" charset="-127"/>
                       </a:endParaRPr>
@@ -7252,7 +7252,7 @@
                 </a:tc>
                 <a:extLst>
                   <a:ext uri="{0D108BD9-81ED-4DB2-BD59-A6C34878D82A}">
-                    <a16:rowId xmlns:a16="http://schemas.microsoft.com/office/drawing/2014/main" xmlns="" val="10005"/>
+                    <a16:rowId xmlns:a16="http://schemas.microsoft.com/office/drawing/2014/main" val="10005"/>
                   </a:ext>
                 </a:extLst>
               </a:tr>
@@ -7284,10 +7284,20 @@
                     <a:lstStyle/>
                     <a:p>
                       <a:pPr algn="ctr" latinLnBrk="1"/>
-                      <a:endParaRPr lang="ko-KR" altLang="en-US" sz="1400" dirty="0">
-                        <a:latin typeface="Noto Sans KR Medium" pitchFamily="34" charset="-127"/>
-                        <a:ea typeface="Noto Sans KR Medium" pitchFamily="34" charset="-127"/>
-                      </a:endParaRPr>
+                      <a:r>
+                        <a:rPr lang="en-US" altLang="ko-KR" sz="1400" dirty="0">
+                          <a:latin typeface="Noto Sans KR Medium" pitchFamily="34" charset="-127"/>
+                          <a:ea typeface="Noto Sans KR Medium" pitchFamily="34" charset="-127"/>
+                        </a:rPr>
+                        <a:t>1-2 </a:t>
+                      </a:r>
+                      <a:r>
+                        <a:rPr lang="ko-KR" altLang="en-US" sz="1400" dirty="0">
+                          <a:latin typeface="Noto Sans KR Medium" pitchFamily="34" charset="-127"/>
+                          <a:ea typeface="Noto Sans KR Medium" pitchFamily="34" charset="-127"/>
+                        </a:rPr>
+                        <a:t>작업</a:t>
+                      </a:r>
                     </a:p>
                   </a:txBody>
                   <a:tcPr/>
@@ -7298,6 +7308,34 @@
                     <a:lstStyle/>
                     <a:p>
                       <a:pPr algn="ctr" latinLnBrk="1"/>
+                      <a:r>
+                        <a:rPr lang="ko-KR" altLang="en-US" sz="1400" dirty="0">
+                          <a:latin typeface="Noto Sans KR Medium" pitchFamily="34" charset="-127"/>
+                          <a:ea typeface="Noto Sans KR Medium" pitchFamily="34" charset="-127"/>
+                        </a:rPr>
+                        <a:t>대포</a:t>
+                      </a:r>
+                      <a:r>
+                        <a:rPr lang="en-US" altLang="ko-KR" sz="1400" dirty="0">
+                          <a:latin typeface="Noto Sans KR Medium" pitchFamily="34" charset="-127"/>
+                          <a:ea typeface="Noto Sans KR Medium" pitchFamily="34" charset="-127"/>
+                        </a:rPr>
+                        <a:t>(</a:t>
+                      </a:r>
+                      <a:r>
+                        <a:rPr lang="ko-KR" altLang="en-US" sz="1400" dirty="0">
+                          <a:latin typeface="Noto Sans KR Medium" pitchFamily="34" charset="-127"/>
+                          <a:ea typeface="Noto Sans KR Medium" pitchFamily="34" charset="-127"/>
+                        </a:rPr>
+                        <a:t>포물선</a:t>
+                      </a:r>
+                      <a:r>
+                        <a:rPr lang="en-US" altLang="ko-KR" sz="1400">
+                          <a:latin typeface="Noto Sans KR Medium" pitchFamily="34" charset="-127"/>
+                          <a:ea typeface="Noto Sans KR Medium" pitchFamily="34" charset="-127"/>
+                        </a:rPr>
+                        <a:t>)</a:t>
+                      </a:r>
                       <a:endParaRPr lang="ko-KR" altLang="en-US" sz="1400" dirty="0">
                         <a:latin typeface="Noto Sans KR Medium" pitchFamily="34" charset="-127"/>
                         <a:ea typeface="Noto Sans KR Medium" pitchFamily="34" charset="-127"/>
@@ -7308,7 +7346,7 @@
                 </a:tc>
                 <a:extLst>
                   <a:ext uri="{0D108BD9-81ED-4DB2-BD59-A6C34878D82A}">
-                    <a16:rowId xmlns:a16="http://schemas.microsoft.com/office/drawing/2014/main" xmlns="" val="10006"/>
+                    <a16:rowId xmlns:a16="http://schemas.microsoft.com/office/drawing/2014/main" val="10006"/>
                   </a:ext>
                 </a:extLst>
               </a:tr>
@@ -7789,7 +7827,7 @@
         <p:spPr/>
         <p:txBody>
           <a:bodyPr>
-            <a:normAutofit/>
+            <a:normAutofit lnSpcReduction="10000"/>
           </a:bodyPr>
           <a:lstStyle/>
           <a:p>
@@ -8057,7 +8095,7 @@
         <p:spPr/>
         <p:txBody>
           <a:bodyPr>
-            <a:normAutofit fontScale="92500"/>
+            <a:normAutofit fontScale="92500" lnSpcReduction="10000"/>
           </a:bodyPr>
           <a:lstStyle/>
           <a:p>
@@ -9097,27 +9135,13 @@
               <a:buChar char="-"/>
             </a:pPr>
             <a:r>
-              <a:rPr lang="ko-KR" altLang="en-US" dirty="0" smtClean="0">
-                <a:latin typeface="Noto Sans KR Medium" pitchFamily="34" charset="-127"/>
-                <a:ea typeface="Noto Sans KR Medium" pitchFamily="34" charset="-127"/>
-              </a:rPr>
-              <a:t>밤의 </a:t>
-            </a:r>
-            <a:r>
-              <a:rPr lang="ko-KR" altLang="en-US" dirty="0">
-                <a:latin typeface="Noto Sans KR Medium" pitchFamily="34" charset="-127"/>
-                <a:ea typeface="Noto Sans KR Medium" pitchFamily="34" charset="-127"/>
-              </a:rPr>
-              <a:t>절반의 </a:t>
-            </a:r>
-            <a:r>
-              <a:rPr lang="ko-KR" altLang="en-US" dirty="0" smtClean="0">
-                <a:latin typeface="Noto Sans KR Medium" pitchFamily="34" charset="-127"/>
-                <a:ea typeface="Noto Sans KR Medium" pitchFamily="34" charset="-127"/>
-              </a:rPr>
-              <a:t>밝기</a:t>
-            </a:r>
-            <a:endParaRPr lang="en-US" altLang="ko-KR" dirty="0" smtClean="0">
+              <a:rPr lang="ko-KR" altLang="en-US" dirty="0">
+                <a:latin typeface="Noto Sans KR Medium" pitchFamily="34" charset="-127"/>
+                <a:ea typeface="Noto Sans KR Medium" pitchFamily="34" charset="-127"/>
+              </a:rPr>
+              <a:t>밤의 절반의 밝기</a:t>
+            </a:r>
+            <a:endParaRPr lang="en-US" altLang="ko-KR" dirty="0">
               <a:latin typeface="Noto Sans KR Medium" pitchFamily="34" charset="-127"/>
               <a:ea typeface="Noto Sans KR Medium" pitchFamily="34" charset="-127"/>
             </a:endParaRPr>
@@ -9138,7 +9162,7 @@
               <a:buChar char="-"/>
             </a:pPr>
             <a:r>
-              <a:rPr lang="ko-KR" altLang="en-US" dirty="0" err="1" smtClean="0">
+              <a:rPr lang="ko-KR" altLang="en-US" dirty="0" err="1">
                 <a:latin typeface="Noto Sans KR Medium" pitchFamily="34" charset="-127"/>
                 <a:ea typeface="Noto Sans KR Medium" pitchFamily="34" charset="-127"/>
               </a:rPr>
@@ -9149,24 +9173,17 @@
                 <a:latin typeface="Noto Sans KR Medium" pitchFamily="34" charset="-127"/>
                 <a:ea typeface="Noto Sans KR Medium" pitchFamily="34" charset="-127"/>
               </a:rPr>
-              <a:t> </a:t>
-            </a:r>
-            <a:r>
-              <a:rPr lang="ko-KR" altLang="en-US" dirty="0" smtClean="0">
-                <a:latin typeface="Noto Sans KR Medium" pitchFamily="34" charset="-127"/>
-                <a:ea typeface="Noto Sans KR Medium" pitchFamily="34" charset="-127"/>
-              </a:rPr>
-              <a:t>마다 시간대 별로 </a:t>
-            </a:r>
-            <a:r>
-              <a:rPr lang="en-US" altLang="ko-KR" dirty="0" smtClean="0">
+              <a:t> 마다 시간대 별로 </a:t>
+            </a:r>
+            <a:r>
+              <a:rPr lang="en-US" altLang="ko-KR" dirty="0">
                 <a:latin typeface="Noto Sans KR Medium" pitchFamily="34" charset="-127"/>
                 <a:ea typeface="Noto Sans KR Medium" pitchFamily="34" charset="-127"/>
               </a:rPr>
               <a:t>BGM </a:t>
             </a:r>
             <a:r>
-              <a:rPr lang="ko-KR" altLang="en-US" smtClean="0">
+              <a:rPr lang="ko-KR" altLang="en-US">
                 <a:latin typeface="Noto Sans KR Medium" pitchFamily="34" charset="-127"/>
                 <a:ea typeface="Noto Sans KR Medium" pitchFamily="34" charset="-127"/>
               </a:rPr>

--- a/2D Personal Game Project/새 Microsoft PowerPoint 프레젠테이션.pptx
+++ b/2D Personal Game Project/새 Microsoft PowerPoint 프레젠테이션.pptx
@@ -20,6 +20,7 @@
     <p:sldId id="265" r:id="rId14"/>
     <p:sldId id="266" r:id="rId15"/>
     <p:sldId id="267" r:id="rId16"/>
+    <p:sldId id="271" r:id="rId17"/>
   </p:sldIdLst>
   <p:sldSz cx="9144000" cy="6858000" type="screen4x3"/>
   <p:notesSz cx="6858000" cy="9144000"/>
@@ -325,7 +326,7 @@
           <a:p>
             <a:fld id="{FB30EDBD-1C2D-4C1E-B459-B60219FAB484}" type="datetimeFigureOut">
               <a:rPr lang="ko-KR" altLang="en-US" smtClean="0"/>
-              <a:t>2020-11-21</a:t>
+              <a:t>2020-11-24</a:t>
             </a:fld>
             <a:endParaRPr lang="ko-KR" altLang="en-US"/>
           </a:p>
@@ -525,7 +526,7 @@
           <a:p>
             <a:fld id="{FB30EDBD-1C2D-4C1E-B459-B60219FAB484}" type="datetimeFigureOut">
               <a:rPr lang="ko-KR" altLang="en-US" smtClean="0"/>
-              <a:t>2020-11-21</a:t>
+              <a:t>2020-11-24</a:t>
             </a:fld>
             <a:endParaRPr lang="ko-KR" altLang="en-US"/>
           </a:p>
@@ -700,7 +701,7 @@
           <a:p>
             <a:fld id="{FB30EDBD-1C2D-4C1E-B459-B60219FAB484}" type="datetimeFigureOut">
               <a:rPr lang="ko-KR" altLang="en-US" smtClean="0"/>
-              <a:t>2020-11-21</a:t>
+              <a:t>2020-11-24</a:t>
             </a:fld>
             <a:endParaRPr lang="ko-KR" altLang="en-US"/>
           </a:p>
@@ -865,7 +866,7 @@
           <a:p>
             <a:fld id="{FB30EDBD-1C2D-4C1E-B459-B60219FAB484}" type="datetimeFigureOut">
               <a:rPr lang="ko-KR" altLang="en-US" smtClean="0"/>
-              <a:t>2020-11-21</a:t>
+              <a:t>2020-11-24</a:t>
             </a:fld>
             <a:endParaRPr lang="ko-KR" altLang="en-US"/>
           </a:p>
@@ -1113,7 +1114,7 @@
           <a:p>
             <a:fld id="{FB30EDBD-1C2D-4C1E-B459-B60219FAB484}" type="datetimeFigureOut">
               <a:rPr lang="ko-KR" altLang="en-US" smtClean="0"/>
-              <a:t>2020-11-21</a:t>
+              <a:t>2020-11-24</a:t>
             </a:fld>
             <a:endParaRPr lang="ko-KR" altLang="en-US"/>
           </a:p>
@@ -1431,7 +1432,7 @@
           <a:p>
             <a:fld id="{FB30EDBD-1C2D-4C1E-B459-B60219FAB484}" type="datetimeFigureOut">
               <a:rPr lang="ko-KR" altLang="en-US" smtClean="0"/>
-              <a:t>2020-11-21</a:t>
+              <a:t>2020-11-24</a:t>
             </a:fld>
             <a:endParaRPr lang="ko-KR" altLang="en-US"/>
           </a:p>
@@ -1897,7 +1898,7 @@
           <a:p>
             <a:fld id="{FB30EDBD-1C2D-4C1E-B459-B60219FAB484}" type="datetimeFigureOut">
               <a:rPr lang="ko-KR" altLang="en-US" smtClean="0"/>
-              <a:t>2020-11-21</a:t>
+              <a:t>2020-11-24</a:t>
             </a:fld>
             <a:endParaRPr lang="ko-KR" altLang="en-US"/>
           </a:p>
@@ -2045,7 +2046,7 @@
           <a:p>
             <a:fld id="{FB30EDBD-1C2D-4C1E-B459-B60219FAB484}" type="datetimeFigureOut">
               <a:rPr lang="ko-KR" altLang="en-US" smtClean="0"/>
-              <a:t>2020-11-21</a:t>
+              <a:t>2020-11-24</a:t>
             </a:fld>
             <a:endParaRPr lang="ko-KR" altLang="en-US"/>
           </a:p>
@@ -2135,7 +2136,7 @@
           <a:p>
             <a:fld id="{FB30EDBD-1C2D-4C1E-B459-B60219FAB484}" type="datetimeFigureOut">
               <a:rPr lang="ko-KR" altLang="en-US" smtClean="0"/>
-              <a:t>2020-11-21</a:t>
+              <a:t>2020-11-24</a:t>
             </a:fld>
             <a:endParaRPr lang="ko-KR" altLang="en-US"/>
           </a:p>
@@ -2409,7 +2410,7 @@
           <a:p>
             <a:fld id="{FB30EDBD-1C2D-4C1E-B459-B60219FAB484}" type="datetimeFigureOut">
               <a:rPr lang="ko-KR" altLang="en-US" smtClean="0"/>
-              <a:t>2020-11-21</a:t>
+              <a:t>2020-11-24</a:t>
             </a:fld>
             <a:endParaRPr lang="ko-KR" altLang="en-US"/>
           </a:p>
@@ -2714,7 +2715,7 @@
           <a:p>
             <a:fld id="{FB30EDBD-1C2D-4C1E-B459-B60219FAB484}" type="datetimeFigureOut">
               <a:rPr lang="ko-KR" altLang="en-US" smtClean="0"/>
-              <a:t>2020-11-21</a:t>
+              <a:t>2020-11-24</a:t>
             </a:fld>
             <a:endParaRPr lang="ko-KR" altLang="en-US"/>
           </a:p>
@@ -3012,7 +3013,7 @@
           <a:p>
             <a:fld id="{FB30EDBD-1C2D-4C1E-B459-B60219FAB484}" type="datetimeFigureOut">
               <a:rPr lang="ko-KR" altLang="en-US" smtClean="0"/>
-              <a:t>2020-11-21</a:t>
+              <a:t>2020-11-24</a:t>
             </a:fld>
             <a:endParaRPr lang="ko-KR" altLang="en-US"/>
           </a:p>
@@ -7358,6 +7359,617 @@
     <p:extLst>
       <p:ext uri="{BB962C8B-B14F-4D97-AF65-F5344CB8AC3E}">
         <p14:creationId xmlns:p14="http://schemas.microsoft.com/office/powerpoint/2010/main" val="1192717728"/>
+      </p:ext>
+    </p:extLst>
+  </p:cSld>
+  <p:clrMapOvr>
+    <a:masterClrMapping/>
+  </p:clrMapOvr>
+</p:sld>
+</file>
+
+<file path=ppt/slides/slide16.xml><?xml version="1.0" encoding="utf-8"?>
+<p:sld xmlns:a="http://schemas.openxmlformats.org/drawingml/2006/main" xmlns:r="http://schemas.openxmlformats.org/officeDocument/2006/relationships" xmlns:p="http://schemas.openxmlformats.org/presentationml/2006/main">
+  <p:cSld>
+    <p:spTree>
+      <p:nvGrpSpPr>
+        <p:cNvPr id="1" name=""/>
+        <p:cNvGrpSpPr/>
+        <p:nvPr/>
+      </p:nvGrpSpPr>
+      <p:grpSpPr>
+        <a:xfrm>
+          <a:off x="0" y="0"/>
+          <a:ext cx="0" cy="0"/>
+          <a:chOff x="0" y="0"/>
+          <a:chExt cx="0" cy="0"/>
+        </a:xfrm>
+      </p:grpSpPr>
+      <p:sp>
+        <p:nvSpPr>
+          <p:cNvPr id="2" name="제목 1"/>
+          <p:cNvSpPr>
+            <a:spLocks noGrp="1"/>
+          </p:cNvSpPr>
+          <p:nvPr>
+            <p:ph type="title"/>
+          </p:nvPr>
+        </p:nvSpPr>
+        <p:spPr/>
+        <p:txBody>
+          <a:bodyPr/>
+          <a:lstStyle/>
+          <a:p>
+            <a:r>
+              <a:rPr lang="ko-KR" altLang="en-US" dirty="0">
+                <a:latin typeface="Noto Sans KR Medium" pitchFamily="34" charset="-127"/>
+                <a:ea typeface="Noto Sans KR Medium" pitchFamily="34" charset="-127"/>
+              </a:rPr>
+              <a:t>개발 단계 </a:t>
+            </a:r>
+            <a:r>
+              <a:rPr lang="en-US" altLang="ko-KR" dirty="0">
+                <a:latin typeface="Noto Sans KR Medium" pitchFamily="34" charset="-127"/>
+                <a:ea typeface="Noto Sans KR Medium" pitchFamily="34" charset="-127"/>
+              </a:rPr>
+              <a:t>(4</a:t>
+            </a:r>
+            <a:r>
+              <a:rPr lang="ko-KR" altLang="en-US" dirty="0">
+                <a:latin typeface="Noto Sans KR Medium" pitchFamily="34" charset="-127"/>
+                <a:ea typeface="Noto Sans KR Medium" pitchFamily="34" charset="-127"/>
+              </a:rPr>
+              <a:t>주차</a:t>
+            </a:r>
+            <a:r>
+              <a:rPr lang="en-US" altLang="ko-KR" dirty="0">
+                <a:latin typeface="Noto Sans KR Medium" pitchFamily="34" charset="-127"/>
+                <a:ea typeface="Noto Sans KR Medium" pitchFamily="34" charset="-127"/>
+              </a:rPr>
+              <a:t>)</a:t>
+            </a:r>
+            <a:endParaRPr lang="ko-KR" altLang="en-US" dirty="0">
+              <a:latin typeface="Noto Sans KR Medium" pitchFamily="34" charset="-127"/>
+              <a:ea typeface="Noto Sans KR Medium" pitchFamily="34" charset="-127"/>
+            </a:endParaRPr>
+          </a:p>
+        </p:txBody>
+      </p:sp>
+      <p:sp>
+        <p:nvSpPr>
+          <p:cNvPr id="3" name="내용 개체 틀 2"/>
+          <p:cNvSpPr>
+            <a:spLocks noGrp="1"/>
+          </p:cNvSpPr>
+          <p:nvPr>
+            <p:ph idx="1"/>
+          </p:nvPr>
+        </p:nvSpPr>
+        <p:spPr/>
+        <p:txBody>
+          <a:bodyPr/>
+          <a:lstStyle/>
+          <a:p>
+            <a:pPr marL="0" indent="0">
+              <a:buNone/>
+            </a:pPr>
+            <a:endParaRPr lang="en-US" altLang="ko-KR" dirty="0">
+              <a:latin typeface="Noto Sans KR Medium" pitchFamily="34" charset="-127"/>
+              <a:ea typeface="Noto Sans KR Medium" pitchFamily="34" charset="-127"/>
+            </a:endParaRPr>
+          </a:p>
+          <a:p>
+            <a:pPr marL="0" indent="0">
+              <a:buNone/>
+            </a:pPr>
+            <a:endParaRPr lang="ko-KR" altLang="en-US" dirty="0">
+              <a:latin typeface="Noto Sans KR Medium" pitchFamily="34" charset="-127"/>
+              <a:ea typeface="Noto Sans KR Medium" pitchFamily="34" charset="-127"/>
+            </a:endParaRPr>
+          </a:p>
+        </p:txBody>
+      </p:sp>
+      <p:graphicFrame>
+        <p:nvGraphicFramePr>
+          <p:cNvPr id="4" name="표 3"/>
+          <p:cNvGraphicFramePr>
+            <a:graphicFrameLocks noGrp="1"/>
+          </p:cNvGraphicFramePr>
+          <p:nvPr>
+            <p:extLst>
+              <p:ext uri="{D42A27DB-BD31-4B8C-83A1-F6EECF244321}">
+                <p14:modId xmlns:p14="http://schemas.microsoft.com/office/powerpoint/2010/main" val="731594887"/>
+              </p:ext>
+            </p:extLst>
+          </p:nvPr>
+        </p:nvGraphicFramePr>
+        <p:xfrm>
+          <a:off x="971600" y="1412776"/>
+          <a:ext cx="7152456" cy="5184576"/>
+        </p:xfrm>
+        <a:graphic>
+          <a:graphicData uri="http://schemas.openxmlformats.org/drawingml/2006/table">
+            <a:tbl>
+              <a:tblPr firstRow="1" bandRow="1">
+                <a:tableStyleId>{5C22544A-7EE6-4342-B048-85BDC9FD1C3A}</a:tableStyleId>
+              </a:tblPr>
+              <a:tblGrid>
+                <a:gridCol w="2384152">
+                  <a:extLst>
+                    <a:ext uri="{9D8B030D-6E8A-4147-A177-3AD203B41FA5}">
+                      <a16:colId xmlns:a16="http://schemas.microsoft.com/office/drawing/2014/main" val="20000"/>
+                    </a:ext>
+                  </a:extLst>
+                </a:gridCol>
+                <a:gridCol w="2384152">
+                  <a:extLst>
+                    <a:ext uri="{9D8B030D-6E8A-4147-A177-3AD203B41FA5}">
+                      <a16:colId xmlns:a16="http://schemas.microsoft.com/office/drawing/2014/main" val="20001"/>
+                    </a:ext>
+                  </a:extLst>
+                </a:gridCol>
+                <a:gridCol w="2384152">
+                  <a:extLst>
+                    <a:ext uri="{9D8B030D-6E8A-4147-A177-3AD203B41FA5}">
+                      <a16:colId xmlns:a16="http://schemas.microsoft.com/office/drawing/2014/main" val="20002"/>
+                    </a:ext>
+                  </a:extLst>
+                </a:gridCol>
+              </a:tblGrid>
+              <a:tr h="678068">
+                <a:tc>
+                  <a:txBody>
+                    <a:bodyPr/>
+                    <a:lstStyle/>
+                    <a:p>
+                      <a:pPr algn="ctr" latinLnBrk="1"/>
+                      <a:r>
+                        <a:rPr lang="ko-KR" altLang="en-US" sz="2800" dirty="0">
+                          <a:latin typeface="Noto Sans KR Bold" pitchFamily="34" charset="-127"/>
+                          <a:ea typeface="Noto Sans KR Bold" pitchFamily="34" charset="-127"/>
+                        </a:rPr>
+                        <a:t>날짜</a:t>
+                      </a:r>
+                    </a:p>
+                  </a:txBody>
+                  <a:tcPr/>
+                </a:tc>
+                <a:tc>
+                  <a:txBody>
+                    <a:bodyPr/>
+                    <a:lstStyle/>
+                    <a:p>
+                      <a:pPr algn="ctr" latinLnBrk="1"/>
+                      <a:r>
+                        <a:rPr lang="ko-KR" altLang="en-US" sz="2800" dirty="0">
+                          <a:latin typeface="Noto Sans KR Bold" pitchFamily="34" charset="-127"/>
+                          <a:ea typeface="Noto Sans KR Bold" pitchFamily="34" charset="-127"/>
+                        </a:rPr>
+                        <a:t>진행 내용</a:t>
+                      </a:r>
+                    </a:p>
+                  </a:txBody>
+                  <a:tcPr/>
+                </a:tc>
+                <a:tc>
+                  <a:txBody>
+                    <a:bodyPr/>
+                    <a:lstStyle/>
+                    <a:p>
+                      <a:pPr algn="ctr" latinLnBrk="1"/>
+                      <a:r>
+                        <a:rPr lang="ko-KR" altLang="en-US" sz="2800" dirty="0">
+                          <a:latin typeface="Noto Sans KR Bold" pitchFamily="34" charset="-127"/>
+                          <a:ea typeface="Noto Sans KR Bold" pitchFamily="34" charset="-127"/>
+                        </a:rPr>
+                        <a:t>비고</a:t>
+                      </a:r>
+                    </a:p>
+                  </a:txBody>
+                  <a:tcPr/>
+                </a:tc>
+                <a:extLst>
+                  <a:ext uri="{0D108BD9-81ED-4DB2-BD59-A6C34878D82A}">
+                    <a16:rowId xmlns:a16="http://schemas.microsoft.com/office/drawing/2014/main" val="10000"/>
+                  </a:ext>
+                </a:extLst>
+              </a:tr>
+              <a:tr h="712819">
+                <a:tc>
+                  <a:txBody>
+                    <a:bodyPr/>
+                    <a:lstStyle/>
+                    <a:p>
+                      <a:pPr algn="ctr" latinLnBrk="1"/>
+                      <a:r>
+                        <a:rPr lang="en-US" altLang="ko-KR" sz="1400" dirty="0">
+                          <a:latin typeface="Noto Sans KR Medium" pitchFamily="34" charset="-127"/>
+                          <a:ea typeface="Noto Sans KR Medium" pitchFamily="34" charset="-127"/>
+                        </a:rPr>
+                        <a:t>11-23</a:t>
+                      </a:r>
+                      <a:endParaRPr lang="ko-KR" altLang="en-US" sz="1400" dirty="0">
+                        <a:latin typeface="Noto Sans KR Medium" pitchFamily="34" charset="-127"/>
+                        <a:ea typeface="Noto Sans KR Medium" pitchFamily="34" charset="-127"/>
+                      </a:endParaRPr>
+                    </a:p>
+                  </a:txBody>
+                  <a:tcPr/>
+                </a:tc>
+                <a:tc>
+                  <a:txBody>
+                    <a:bodyPr/>
+                    <a:lstStyle/>
+                    <a:p>
+                      <a:pPr algn="ctr" latinLnBrk="1"/>
+                      <a:r>
+                        <a:rPr lang="en-US" altLang="ko-KR" sz="1400" dirty="0">
+                          <a:latin typeface="Noto Sans KR Medium" pitchFamily="34" charset="-127"/>
+                          <a:ea typeface="Noto Sans KR Medium" pitchFamily="34" charset="-127"/>
+                        </a:rPr>
+                        <a:t>1-2</a:t>
+                      </a:r>
+                      <a:r>
+                        <a:rPr lang="ko-KR" altLang="en-US" sz="1400" dirty="0">
+                          <a:latin typeface="Noto Sans KR Medium" pitchFamily="34" charset="-127"/>
+                          <a:ea typeface="Noto Sans KR Medium" pitchFamily="34" charset="-127"/>
+                        </a:rPr>
+                        <a:t>완성</a:t>
+                      </a:r>
+                      <a:endParaRPr lang="en-US" altLang="ko-KR" sz="1400" dirty="0">
+                        <a:latin typeface="Noto Sans KR Medium" pitchFamily="34" charset="-127"/>
+                        <a:ea typeface="Noto Sans KR Medium" pitchFamily="34" charset="-127"/>
+                      </a:endParaRPr>
+                    </a:p>
+                    <a:p>
+                      <a:pPr algn="ctr" latinLnBrk="1"/>
+                      <a:r>
+                        <a:rPr lang="en-US" altLang="ko-KR" sz="1400" dirty="0">
+                          <a:latin typeface="Noto Sans KR Medium" pitchFamily="34" charset="-127"/>
+                          <a:ea typeface="Noto Sans KR Medium" pitchFamily="34" charset="-127"/>
+                        </a:rPr>
+                        <a:t>2-1</a:t>
+                      </a:r>
+                      <a:r>
+                        <a:rPr lang="ko-KR" altLang="en-US" sz="1400" dirty="0">
+                          <a:latin typeface="Noto Sans KR Medium" pitchFamily="34" charset="-127"/>
+                          <a:ea typeface="Noto Sans KR Medium" pitchFamily="34" charset="-127"/>
+                        </a:rPr>
+                        <a:t>작업</a:t>
+                      </a:r>
+                    </a:p>
+                  </a:txBody>
+                  <a:tcPr/>
+                </a:tc>
+                <a:tc>
+                  <a:txBody>
+                    <a:bodyPr/>
+                    <a:lstStyle/>
+                    <a:p>
+                      <a:pPr algn="ctr" latinLnBrk="1"/>
+                      <a:r>
+                        <a:rPr lang="ko-KR" altLang="en-US" sz="1400" dirty="0" err="1">
+                          <a:latin typeface="Noto Sans KR Medium" pitchFamily="34" charset="-127"/>
+                          <a:ea typeface="Noto Sans KR Medium" pitchFamily="34" charset="-127"/>
+                        </a:rPr>
+                        <a:t>작업삭제됨</a:t>
+                      </a:r>
+                      <a:endParaRPr lang="ko-KR" altLang="en-US" sz="1400" dirty="0">
+                        <a:latin typeface="Noto Sans KR Medium" pitchFamily="34" charset="-127"/>
+                        <a:ea typeface="Noto Sans KR Medium" pitchFamily="34" charset="-127"/>
+                      </a:endParaRPr>
+                    </a:p>
+                  </a:txBody>
+                  <a:tcPr/>
+                </a:tc>
+                <a:extLst>
+                  <a:ext uri="{0D108BD9-81ED-4DB2-BD59-A6C34878D82A}">
+                    <a16:rowId xmlns:a16="http://schemas.microsoft.com/office/drawing/2014/main" val="10001"/>
+                  </a:ext>
+                </a:extLst>
+              </a:tr>
+              <a:tr h="1018313">
+                <a:tc>
+                  <a:txBody>
+                    <a:bodyPr/>
+                    <a:lstStyle/>
+                    <a:p>
+                      <a:pPr algn="ctr" latinLnBrk="1"/>
+                      <a:r>
+                        <a:rPr lang="en-US" altLang="ko-KR" sz="1400" dirty="0">
+                          <a:latin typeface="Noto Sans KR Medium" pitchFamily="34" charset="-127"/>
+                          <a:ea typeface="Noto Sans KR Medium" pitchFamily="34" charset="-127"/>
+                        </a:rPr>
+                        <a:t>11-24</a:t>
+                      </a:r>
+                      <a:endParaRPr lang="ko-KR" altLang="en-US" sz="1400" dirty="0">
+                        <a:latin typeface="Noto Sans KR Medium" pitchFamily="34" charset="-127"/>
+                        <a:ea typeface="Noto Sans KR Medium" pitchFamily="34" charset="-127"/>
+                      </a:endParaRPr>
+                    </a:p>
+                  </a:txBody>
+                  <a:tcPr/>
+                </a:tc>
+                <a:tc>
+                  <a:txBody>
+                    <a:bodyPr/>
+                    <a:lstStyle/>
+                    <a:p>
+                      <a:pPr algn="ctr" latinLnBrk="1"/>
+                      <a:r>
+                        <a:rPr lang="en-US" altLang="ko-KR" sz="1400" baseline="0">
+                          <a:latin typeface="Noto Sans KR Medium" pitchFamily="34" charset="-127"/>
+                          <a:ea typeface="Noto Sans KR Medium" pitchFamily="34" charset="-127"/>
+                        </a:rPr>
+                        <a:t>23</a:t>
+                      </a:r>
+                      <a:r>
+                        <a:rPr lang="ko-KR" altLang="en-US" sz="1400" baseline="0">
+                          <a:latin typeface="Noto Sans KR Medium" pitchFamily="34" charset="-127"/>
+                          <a:ea typeface="Noto Sans KR Medium" pitchFamily="34" charset="-127"/>
+                        </a:rPr>
+                        <a:t>일 작업 복구</a:t>
+                      </a:r>
+                      <a:endParaRPr lang="en-US" altLang="ko-KR" sz="1400" baseline="0" dirty="0">
+                        <a:latin typeface="Noto Sans KR Medium" pitchFamily="34" charset="-127"/>
+                        <a:ea typeface="Noto Sans KR Medium" pitchFamily="34" charset="-127"/>
+                      </a:endParaRPr>
+                    </a:p>
+                  </a:txBody>
+                  <a:tcPr/>
+                </a:tc>
+                <a:tc>
+                  <a:txBody>
+                    <a:bodyPr/>
+                    <a:lstStyle/>
+                    <a:p>
+                      <a:pPr algn="ctr" latinLnBrk="1"/>
+                      <a:endParaRPr lang="ko-KR" altLang="en-US" sz="1400" dirty="0">
+                        <a:latin typeface="Noto Sans KR Medium" pitchFamily="34" charset="-127"/>
+                        <a:ea typeface="Noto Sans KR Medium" pitchFamily="34" charset="-127"/>
+                      </a:endParaRPr>
+                    </a:p>
+                  </a:txBody>
+                  <a:tcPr/>
+                </a:tc>
+                <a:extLst>
+                  <a:ext uri="{0D108BD9-81ED-4DB2-BD59-A6C34878D82A}">
+                    <a16:rowId xmlns:a16="http://schemas.microsoft.com/office/drawing/2014/main" val="10002"/>
+                  </a:ext>
+                </a:extLst>
+              </a:tr>
+              <a:tr h="693844">
+                <a:tc>
+                  <a:txBody>
+                    <a:bodyPr/>
+                    <a:lstStyle/>
+                    <a:p>
+                      <a:pPr algn="ctr" latinLnBrk="1"/>
+                      <a:r>
+                        <a:rPr lang="en-US" altLang="ko-KR" sz="1400" dirty="0">
+                          <a:latin typeface="Noto Sans KR Medium" pitchFamily="34" charset="-127"/>
+                          <a:ea typeface="Noto Sans KR Medium" pitchFamily="34" charset="-127"/>
+                        </a:rPr>
+                        <a:t>11-25</a:t>
+                      </a:r>
+                      <a:endParaRPr lang="ko-KR" altLang="en-US" sz="1400" dirty="0">
+                        <a:latin typeface="Noto Sans KR Medium" pitchFamily="34" charset="-127"/>
+                        <a:ea typeface="Noto Sans KR Medium" pitchFamily="34" charset="-127"/>
+                      </a:endParaRPr>
+                    </a:p>
+                  </a:txBody>
+                  <a:tcPr/>
+                </a:tc>
+                <a:tc>
+                  <a:txBody>
+                    <a:bodyPr/>
+                    <a:lstStyle/>
+                    <a:p>
+                      <a:pPr algn="ctr" latinLnBrk="1"/>
+                      <a:endParaRPr lang="ko-KR" altLang="en-US" sz="1400" dirty="0">
+                        <a:latin typeface="Noto Sans KR Medium" pitchFamily="34" charset="-127"/>
+                        <a:ea typeface="Noto Sans KR Medium" pitchFamily="34" charset="-127"/>
+                      </a:endParaRPr>
+                    </a:p>
+                  </a:txBody>
+                  <a:tcPr/>
+                </a:tc>
+                <a:tc>
+                  <a:txBody>
+                    <a:bodyPr/>
+                    <a:lstStyle/>
+                    <a:p>
+                      <a:pPr algn="ctr" latinLnBrk="1"/>
+                      <a:endParaRPr lang="ko-KR" altLang="en-US" sz="1400" dirty="0">
+                        <a:latin typeface="Noto Sans KR Medium" pitchFamily="34" charset="-127"/>
+                        <a:ea typeface="Noto Sans KR Medium" pitchFamily="34" charset="-127"/>
+                      </a:endParaRPr>
+                    </a:p>
+                  </a:txBody>
+                  <a:tcPr/>
+                </a:tc>
+                <a:extLst>
+                  <a:ext uri="{0D108BD9-81ED-4DB2-BD59-A6C34878D82A}">
+                    <a16:rowId xmlns:a16="http://schemas.microsoft.com/office/drawing/2014/main" val="10003"/>
+                  </a:ext>
+                </a:extLst>
+              </a:tr>
+              <a:tr h="693844">
+                <a:tc>
+                  <a:txBody>
+                    <a:bodyPr/>
+                    <a:lstStyle/>
+                    <a:p>
+                      <a:pPr algn="ctr" latinLnBrk="1"/>
+                      <a:r>
+                        <a:rPr lang="en-US" altLang="ko-KR" sz="1400" dirty="0">
+                          <a:latin typeface="Noto Sans KR Medium" pitchFamily="34" charset="-127"/>
+                          <a:ea typeface="Noto Sans KR Medium" pitchFamily="34" charset="-127"/>
+                        </a:rPr>
+                        <a:t>11-26</a:t>
+                      </a:r>
+                      <a:endParaRPr lang="ko-KR" altLang="en-US" sz="1400" dirty="0">
+                        <a:latin typeface="Noto Sans KR Medium" pitchFamily="34" charset="-127"/>
+                        <a:ea typeface="Noto Sans KR Medium" pitchFamily="34" charset="-127"/>
+                      </a:endParaRPr>
+                    </a:p>
+                  </a:txBody>
+                  <a:tcPr/>
+                </a:tc>
+                <a:tc>
+                  <a:txBody>
+                    <a:bodyPr/>
+                    <a:lstStyle/>
+                    <a:p>
+                      <a:pPr algn="ctr" latinLnBrk="1"/>
+                      <a:endParaRPr lang="en-US" altLang="ko-KR" sz="1400" baseline="0" dirty="0">
+                        <a:latin typeface="Noto Sans KR Medium" pitchFamily="34" charset="-127"/>
+                        <a:ea typeface="Noto Sans KR Medium" pitchFamily="34" charset="-127"/>
+                      </a:endParaRPr>
+                    </a:p>
+                  </a:txBody>
+                  <a:tcPr/>
+                </a:tc>
+                <a:tc>
+                  <a:txBody>
+                    <a:bodyPr/>
+                    <a:lstStyle/>
+                    <a:p>
+                      <a:pPr algn="ctr" latinLnBrk="1"/>
+                      <a:endParaRPr lang="ko-KR" altLang="en-US" sz="1400" dirty="0">
+                        <a:latin typeface="Noto Sans KR Medium" pitchFamily="34" charset="-127"/>
+                        <a:ea typeface="Noto Sans KR Medium" pitchFamily="34" charset="-127"/>
+                      </a:endParaRPr>
+                    </a:p>
+                  </a:txBody>
+                  <a:tcPr/>
+                </a:tc>
+                <a:extLst>
+                  <a:ext uri="{0D108BD9-81ED-4DB2-BD59-A6C34878D82A}">
+                    <a16:rowId xmlns:a16="http://schemas.microsoft.com/office/drawing/2014/main" val="10004"/>
+                  </a:ext>
+                </a:extLst>
+              </a:tr>
+              <a:tr h="693844">
+                <a:tc>
+                  <a:txBody>
+                    <a:bodyPr/>
+                    <a:lstStyle/>
+                    <a:p>
+                      <a:pPr algn="ctr" latinLnBrk="1"/>
+                      <a:r>
+                        <a:rPr lang="en-US" altLang="ko-KR" sz="1400" dirty="0">
+                          <a:latin typeface="Noto Sans KR Medium" pitchFamily="34" charset="-127"/>
+                          <a:ea typeface="Noto Sans KR Medium" pitchFamily="34" charset="-127"/>
+                        </a:rPr>
+                        <a:t>11-27</a:t>
+                      </a:r>
+                      <a:endParaRPr lang="ko-KR" altLang="en-US" sz="1400" dirty="0">
+                        <a:latin typeface="Noto Sans KR Medium" pitchFamily="34" charset="-127"/>
+                        <a:ea typeface="Noto Sans KR Medium" pitchFamily="34" charset="-127"/>
+                      </a:endParaRPr>
+                    </a:p>
+                  </a:txBody>
+                  <a:tcPr/>
+                </a:tc>
+                <a:tc>
+                  <a:txBody>
+                    <a:bodyPr/>
+                    <a:lstStyle/>
+                    <a:p>
+                      <a:pPr algn="ctr" latinLnBrk="1"/>
+                      <a:endParaRPr lang="ko-KR" altLang="en-US" sz="1400" dirty="0">
+                        <a:latin typeface="Noto Sans KR Medium" pitchFamily="34" charset="-127"/>
+                        <a:ea typeface="Noto Sans KR Medium" pitchFamily="34" charset="-127"/>
+                      </a:endParaRPr>
+                    </a:p>
+                  </a:txBody>
+                  <a:tcPr/>
+                </a:tc>
+                <a:tc>
+                  <a:txBody>
+                    <a:bodyPr/>
+                    <a:lstStyle/>
+                    <a:p>
+                      <a:pPr algn="ctr" latinLnBrk="1"/>
+                      <a:endParaRPr lang="en-US" altLang="ko-KR" sz="1400" dirty="0">
+                        <a:latin typeface="Noto Sans KR Medium" pitchFamily="34" charset="-127"/>
+                        <a:ea typeface="Noto Sans KR Medium" pitchFamily="34" charset="-127"/>
+                      </a:endParaRPr>
+                    </a:p>
+                  </a:txBody>
+                  <a:tcPr/>
+                </a:tc>
+                <a:extLst>
+                  <a:ext uri="{0D108BD9-81ED-4DB2-BD59-A6C34878D82A}">
+                    <a16:rowId xmlns:a16="http://schemas.microsoft.com/office/drawing/2014/main" val="10005"/>
+                  </a:ext>
+                </a:extLst>
+              </a:tr>
+              <a:tr h="693844">
+                <a:tc>
+                  <a:txBody>
+                    <a:bodyPr/>
+                    <a:lstStyle/>
+                    <a:p>
+                      <a:pPr algn="ctr" latinLnBrk="1"/>
+                      <a:r>
+                        <a:rPr lang="en-US" altLang="ko-KR" sz="1400" dirty="0">
+                          <a:latin typeface="Noto Sans KR Medium" pitchFamily="34" charset="-127"/>
+                          <a:ea typeface="Noto Sans KR Medium" pitchFamily="34" charset="-127"/>
+                        </a:rPr>
+                        <a:t>11-28</a:t>
+                      </a:r>
+                      <a:endParaRPr lang="ko-KR" altLang="en-US" sz="1400" dirty="0">
+                        <a:latin typeface="Noto Sans KR Medium" pitchFamily="34" charset="-127"/>
+                        <a:ea typeface="Noto Sans KR Medium" pitchFamily="34" charset="-127"/>
+                      </a:endParaRPr>
+                    </a:p>
+                  </a:txBody>
+                  <a:tcPr/>
+                </a:tc>
+                <a:tc>
+                  <a:txBody>
+                    <a:bodyPr/>
+                    <a:lstStyle/>
+                    <a:p>
+                      <a:pPr algn="ctr" latinLnBrk="1"/>
+                      <a:endParaRPr lang="ko-KR" altLang="en-US" sz="1400" dirty="0">
+                        <a:latin typeface="Noto Sans KR Medium" pitchFamily="34" charset="-127"/>
+                        <a:ea typeface="Noto Sans KR Medium" pitchFamily="34" charset="-127"/>
+                      </a:endParaRPr>
+                    </a:p>
+                  </a:txBody>
+                  <a:tcPr/>
+                </a:tc>
+                <a:tc>
+                  <a:txBody>
+                    <a:bodyPr/>
+                    <a:lstStyle/>
+                    <a:p>
+                      <a:pPr algn="ctr" latinLnBrk="1"/>
+                      <a:endParaRPr lang="ko-KR" altLang="en-US" sz="1400" dirty="0">
+                        <a:latin typeface="Noto Sans KR Medium" pitchFamily="34" charset="-127"/>
+                        <a:ea typeface="Noto Sans KR Medium" pitchFamily="34" charset="-127"/>
+                      </a:endParaRPr>
+                    </a:p>
+                  </a:txBody>
+                  <a:tcPr/>
+                </a:tc>
+                <a:extLst>
+                  <a:ext uri="{0D108BD9-81ED-4DB2-BD59-A6C34878D82A}">
+                    <a16:rowId xmlns:a16="http://schemas.microsoft.com/office/drawing/2014/main" val="10006"/>
+                  </a:ext>
+                </a:extLst>
+              </a:tr>
+            </a:tbl>
+          </a:graphicData>
+        </a:graphic>
+      </p:graphicFrame>
+    </p:spTree>
+    <p:extLst>
+      <p:ext uri="{BB962C8B-B14F-4D97-AF65-F5344CB8AC3E}">
+        <p14:creationId xmlns:p14="http://schemas.microsoft.com/office/powerpoint/2010/main" val="3488705768"/>
       </p:ext>
     </p:extLst>
   </p:cSld>

--- a/2D Personal Game Project/새 Microsoft PowerPoint 프레젠테이션.pptx
+++ b/2D Personal Game Project/새 Microsoft PowerPoint 프레젠테이션.pptx
@@ -326,7 +326,7 @@
           <a:p>
             <a:fld id="{FB30EDBD-1C2D-4C1E-B459-B60219FAB484}" type="datetimeFigureOut">
               <a:rPr lang="ko-KR" altLang="en-US" smtClean="0"/>
-              <a:t>2020-11-24</a:t>
+              <a:t>2020-11-25</a:t>
             </a:fld>
             <a:endParaRPr lang="ko-KR" altLang="en-US"/>
           </a:p>
@@ -526,7 +526,7 @@
           <a:p>
             <a:fld id="{FB30EDBD-1C2D-4C1E-B459-B60219FAB484}" type="datetimeFigureOut">
               <a:rPr lang="ko-KR" altLang="en-US" smtClean="0"/>
-              <a:t>2020-11-24</a:t>
+              <a:t>2020-11-25</a:t>
             </a:fld>
             <a:endParaRPr lang="ko-KR" altLang="en-US"/>
           </a:p>
@@ -701,7 +701,7 @@
           <a:p>
             <a:fld id="{FB30EDBD-1C2D-4C1E-B459-B60219FAB484}" type="datetimeFigureOut">
               <a:rPr lang="ko-KR" altLang="en-US" smtClean="0"/>
-              <a:t>2020-11-24</a:t>
+              <a:t>2020-11-25</a:t>
             </a:fld>
             <a:endParaRPr lang="ko-KR" altLang="en-US"/>
           </a:p>
@@ -866,7 +866,7 @@
           <a:p>
             <a:fld id="{FB30EDBD-1C2D-4C1E-B459-B60219FAB484}" type="datetimeFigureOut">
               <a:rPr lang="ko-KR" altLang="en-US" smtClean="0"/>
-              <a:t>2020-11-24</a:t>
+              <a:t>2020-11-25</a:t>
             </a:fld>
             <a:endParaRPr lang="ko-KR" altLang="en-US"/>
           </a:p>
@@ -1114,7 +1114,7 @@
           <a:p>
             <a:fld id="{FB30EDBD-1C2D-4C1E-B459-B60219FAB484}" type="datetimeFigureOut">
               <a:rPr lang="ko-KR" altLang="en-US" smtClean="0"/>
-              <a:t>2020-11-24</a:t>
+              <a:t>2020-11-25</a:t>
             </a:fld>
             <a:endParaRPr lang="ko-KR" altLang="en-US"/>
           </a:p>
@@ -1432,7 +1432,7 @@
           <a:p>
             <a:fld id="{FB30EDBD-1C2D-4C1E-B459-B60219FAB484}" type="datetimeFigureOut">
               <a:rPr lang="ko-KR" altLang="en-US" smtClean="0"/>
-              <a:t>2020-11-24</a:t>
+              <a:t>2020-11-25</a:t>
             </a:fld>
             <a:endParaRPr lang="ko-KR" altLang="en-US"/>
           </a:p>
@@ -1898,7 +1898,7 @@
           <a:p>
             <a:fld id="{FB30EDBD-1C2D-4C1E-B459-B60219FAB484}" type="datetimeFigureOut">
               <a:rPr lang="ko-KR" altLang="en-US" smtClean="0"/>
-              <a:t>2020-11-24</a:t>
+              <a:t>2020-11-25</a:t>
             </a:fld>
             <a:endParaRPr lang="ko-KR" altLang="en-US"/>
           </a:p>
@@ -2046,7 +2046,7 @@
           <a:p>
             <a:fld id="{FB30EDBD-1C2D-4C1E-B459-B60219FAB484}" type="datetimeFigureOut">
               <a:rPr lang="ko-KR" altLang="en-US" smtClean="0"/>
-              <a:t>2020-11-24</a:t>
+              <a:t>2020-11-25</a:t>
             </a:fld>
             <a:endParaRPr lang="ko-KR" altLang="en-US"/>
           </a:p>
@@ -2136,7 +2136,7 @@
           <a:p>
             <a:fld id="{FB30EDBD-1C2D-4C1E-B459-B60219FAB484}" type="datetimeFigureOut">
               <a:rPr lang="ko-KR" altLang="en-US" smtClean="0"/>
-              <a:t>2020-11-24</a:t>
+              <a:t>2020-11-25</a:t>
             </a:fld>
             <a:endParaRPr lang="ko-KR" altLang="en-US"/>
           </a:p>
@@ -2410,7 +2410,7 @@
           <a:p>
             <a:fld id="{FB30EDBD-1C2D-4C1E-B459-B60219FAB484}" type="datetimeFigureOut">
               <a:rPr lang="ko-KR" altLang="en-US" smtClean="0"/>
-              <a:t>2020-11-24</a:t>
+              <a:t>2020-11-25</a:t>
             </a:fld>
             <a:endParaRPr lang="ko-KR" altLang="en-US"/>
           </a:p>
@@ -2715,7 +2715,7 @@
           <a:p>
             <a:fld id="{FB30EDBD-1C2D-4C1E-B459-B60219FAB484}" type="datetimeFigureOut">
               <a:rPr lang="ko-KR" altLang="en-US" smtClean="0"/>
-              <a:t>2020-11-24</a:t>
+              <a:t>2020-11-25</a:t>
             </a:fld>
             <a:endParaRPr lang="ko-KR" altLang="en-US"/>
           </a:p>
@@ -3013,7 +3013,7 @@
           <a:p>
             <a:fld id="{FB30EDBD-1C2D-4C1E-B459-B60219FAB484}" type="datetimeFigureOut">
               <a:rPr lang="ko-KR" altLang="en-US" smtClean="0"/>
-              <a:t>2020-11-24</a:t>
+              <a:t>2020-11-25</a:t>
             </a:fld>
             <a:endParaRPr lang="ko-KR" altLang="en-US"/>
           </a:p>
@@ -7478,14 +7478,14 @@
           <p:nvPr>
             <p:extLst>
               <p:ext uri="{D42A27DB-BD31-4B8C-83A1-F6EECF244321}">
-                <p14:modId xmlns:p14="http://schemas.microsoft.com/office/powerpoint/2010/main" val="731594887"/>
+                <p14:modId xmlns:p14="http://schemas.microsoft.com/office/powerpoint/2010/main" val="360881116"/>
               </p:ext>
             </p:extLst>
           </p:nvPr>
         </p:nvGraphicFramePr>
         <p:xfrm>
           <a:off x="971600" y="1412776"/>
-          <a:ext cx="7152456" cy="5184576"/>
+          <a:ext cx="7152456" cy="5203277"/>
         </p:xfrm>
         <a:graphic>
           <a:graphicData uri="http://schemas.openxmlformats.org/drawingml/2006/table">
@@ -7628,7 +7628,35 @@
                           <a:latin typeface="Noto Sans KR Medium" pitchFamily="34" charset="-127"/>
                           <a:ea typeface="Noto Sans KR Medium" pitchFamily="34" charset="-127"/>
                         </a:rPr>
-                        <a:t>2-1</a:t>
+                        <a:t>1-3</a:t>
+                      </a:r>
+                      <a:r>
+                        <a:rPr lang="ko-KR" altLang="en-US" sz="1400" dirty="0">
+                          <a:latin typeface="Noto Sans KR Medium" pitchFamily="34" charset="-127"/>
+                          <a:ea typeface="Noto Sans KR Medium" pitchFamily="34" charset="-127"/>
+                        </a:rPr>
+                        <a:t>완성</a:t>
+                      </a:r>
+                      <a:endParaRPr lang="en-US" altLang="ko-KR" sz="1400" dirty="0">
+                        <a:latin typeface="Noto Sans KR Medium" pitchFamily="34" charset="-127"/>
+                        <a:ea typeface="Noto Sans KR Medium" pitchFamily="34" charset="-127"/>
+                      </a:endParaRPr>
+                    </a:p>
+                    <a:p>
+                      <a:pPr algn="ctr" latinLnBrk="1"/>
+                      <a:r>
+                        <a:rPr lang="ko-KR" altLang="en-US" sz="1400" dirty="0">
+                          <a:latin typeface="Noto Sans KR Medium" pitchFamily="34" charset="-127"/>
+                          <a:ea typeface="Noto Sans KR Medium" pitchFamily="34" charset="-127"/>
+                        </a:rPr>
+                        <a:t>초원 </a:t>
+                      </a:r>
+                      <a:r>
+                        <a:rPr lang="en-US" altLang="ko-KR" sz="1400" dirty="0">
+                          <a:latin typeface="Noto Sans KR Medium" pitchFamily="34" charset="-127"/>
+                          <a:ea typeface="Noto Sans KR Medium" pitchFamily="34" charset="-127"/>
+                        </a:rPr>
+                        <a:t>1-1 </a:t>
                       </a:r>
                       <a:r>
                         <a:rPr lang="ko-KR" altLang="en-US" sz="1400" dirty="0">
@@ -7697,14 +7725,14 @@
                     <a:p>
                       <a:pPr algn="ctr" latinLnBrk="1"/>
                       <a:r>
-                        <a:rPr lang="en-US" altLang="ko-KR" sz="1400" baseline="0">
+                        <a:rPr lang="en-US" altLang="ko-KR" sz="1400" baseline="0" dirty="0">
                           <a:latin typeface="Noto Sans KR Medium" pitchFamily="34" charset="-127"/>
                           <a:ea typeface="Noto Sans KR Medium" pitchFamily="34" charset="-127"/>
                         </a:rPr>
                         <a:t>23</a:t>
                       </a:r>
                       <a:r>
-                        <a:rPr lang="ko-KR" altLang="en-US" sz="1400" baseline="0">
+                        <a:rPr lang="ko-KR" altLang="en-US" sz="1400" baseline="0" dirty="0">
                           <a:latin typeface="Noto Sans KR Medium" pitchFamily="34" charset="-127"/>
                           <a:ea typeface="Noto Sans KR Medium" pitchFamily="34" charset="-127"/>
                         </a:rPr>
@@ -7766,7 +7794,35 @@
                     <a:lstStyle/>
                     <a:p>
                       <a:pPr algn="ctr" latinLnBrk="1"/>
-                      <a:endParaRPr lang="ko-KR" altLang="en-US" sz="1400" dirty="0">
+                      <a:r>
+                        <a:rPr lang="ko-KR" altLang="en-US" sz="1400" dirty="0" err="1">
+                          <a:latin typeface="Noto Sans KR Medium" pitchFamily="34" charset="-127"/>
+                          <a:ea typeface="Noto Sans KR Medium" pitchFamily="34" charset="-127"/>
+                        </a:rPr>
+                        <a:t>전체맵</a:t>
+                      </a:r>
+                      <a:r>
+                        <a:rPr lang="ko-KR" altLang="en-US" sz="1400" dirty="0">
+                          <a:latin typeface="Noto Sans KR Medium" pitchFamily="34" charset="-127"/>
+                          <a:ea typeface="Noto Sans KR Medium" pitchFamily="34" charset="-127"/>
+                        </a:rPr>
+                        <a:t> 보기 버튼</a:t>
+                      </a:r>
+                      <a:endParaRPr lang="en-US" altLang="ko-KR" sz="1400" dirty="0">
+                        <a:latin typeface="Noto Sans KR Medium" pitchFamily="34" charset="-127"/>
+                        <a:ea typeface="Noto Sans KR Medium" pitchFamily="34" charset="-127"/>
+                      </a:endParaRPr>
+                    </a:p>
+                    <a:p>
+                      <a:pPr algn="ctr" latinLnBrk="1"/>
+                      <a:r>
+                        <a:rPr lang="ko-KR" altLang="en-US" sz="1400" dirty="0">
+                          <a:latin typeface="Noto Sans KR Medium" pitchFamily="34" charset="-127"/>
+                          <a:ea typeface="Noto Sans KR Medium" pitchFamily="34" charset="-127"/>
+                        </a:rPr>
+                        <a:t>스테이지 클리어 저장</a:t>
+                      </a:r>
+                      <a:endParaRPr lang="en-US" altLang="ko-KR" sz="1400" dirty="0">
                         <a:latin typeface="Noto Sans KR Medium" pitchFamily="34" charset="-127"/>
                         <a:ea typeface="Noto Sans KR Medium" pitchFamily="34" charset="-127"/>
                       </a:endParaRPr>
@@ -7780,6 +7836,13 @@
                     <a:lstStyle/>
                     <a:p>
                       <a:pPr algn="ctr" latinLnBrk="1"/>
+                      <a:r>
+                        <a:rPr lang="en-US" altLang="ko-KR" sz="1400">
+                          <a:latin typeface="Noto Sans KR Medium" pitchFamily="34" charset="-127"/>
+                          <a:ea typeface="Noto Sans KR Medium" pitchFamily="34" charset="-127"/>
+                        </a:rPr>
+                        <a:t>Json</a:t>
+                      </a:r>
                       <a:endParaRPr lang="ko-KR" altLang="en-US" sz="1400" dirty="0">
                         <a:latin typeface="Noto Sans KR Medium" pitchFamily="34" charset="-127"/>
                         <a:ea typeface="Noto Sans KR Medium" pitchFamily="34" charset="-127"/>

--- a/2D Personal Game Project/새 Microsoft PowerPoint 프레젠테이션.pptx
+++ b/2D Personal Game Project/새 Microsoft PowerPoint 프레젠테이션.pptx
@@ -327,7 +327,7 @@
           <a:p>
             <a:fld id="{FB30EDBD-1C2D-4C1E-B459-B60219FAB484}" type="datetimeFigureOut">
               <a:rPr lang="ko-KR" altLang="en-US" smtClean="0"/>
-              <a:t>2020-11-26</a:t>
+              <a:t>2020-11-27</a:t>
             </a:fld>
             <a:endParaRPr lang="ko-KR" altLang="en-US"/>
           </a:p>
@@ -527,7 +527,7 @@
           <a:p>
             <a:fld id="{FB30EDBD-1C2D-4C1E-B459-B60219FAB484}" type="datetimeFigureOut">
               <a:rPr lang="ko-KR" altLang="en-US" smtClean="0"/>
-              <a:t>2020-11-26</a:t>
+              <a:t>2020-11-27</a:t>
             </a:fld>
             <a:endParaRPr lang="ko-KR" altLang="en-US"/>
           </a:p>
@@ -702,7 +702,7 @@
           <a:p>
             <a:fld id="{FB30EDBD-1C2D-4C1E-B459-B60219FAB484}" type="datetimeFigureOut">
               <a:rPr lang="ko-KR" altLang="en-US" smtClean="0"/>
-              <a:t>2020-11-26</a:t>
+              <a:t>2020-11-27</a:t>
             </a:fld>
             <a:endParaRPr lang="ko-KR" altLang="en-US"/>
           </a:p>
@@ -867,7 +867,7 @@
           <a:p>
             <a:fld id="{FB30EDBD-1C2D-4C1E-B459-B60219FAB484}" type="datetimeFigureOut">
               <a:rPr lang="ko-KR" altLang="en-US" smtClean="0"/>
-              <a:t>2020-11-26</a:t>
+              <a:t>2020-11-27</a:t>
             </a:fld>
             <a:endParaRPr lang="ko-KR" altLang="en-US"/>
           </a:p>
@@ -1115,7 +1115,7 @@
           <a:p>
             <a:fld id="{FB30EDBD-1C2D-4C1E-B459-B60219FAB484}" type="datetimeFigureOut">
               <a:rPr lang="ko-KR" altLang="en-US" smtClean="0"/>
-              <a:t>2020-11-26</a:t>
+              <a:t>2020-11-27</a:t>
             </a:fld>
             <a:endParaRPr lang="ko-KR" altLang="en-US"/>
           </a:p>
@@ -1433,7 +1433,7 @@
           <a:p>
             <a:fld id="{FB30EDBD-1C2D-4C1E-B459-B60219FAB484}" type="datetimeFigureOut">
               <a:rPr lang="ko-KR" altLang="en-US" smtClean="0"/>
-              <a:t>2020-11-26</a:t>
+              <a:t>2020-11-27</a:t>
             </a:fld>
             <a:endParaRPr lang="ko-KR" altLang="en-US"/>
           </a:p>
@@ -1899,7 +1899,7 @@
           <a:p>
             <a:fld id="{FB30EDBD-1C2D-4C1E-B459-B60219FAB484}" type="datetimeFigureOut">
               <a:rPr lang="ko-KR" altLang="en-US" smtClean="0"/>
-              <a:t>2020-11-26</a:t>
+              <a:t>2020-11-27</a:t>
             </a:fld>
             <a:endParaRPr lang="ko-KR" altLang="en-US"/>
           </a:p>
@@ -2047,7 +2047,7 @@
           <a:p>
             <a:fld id="{FB30EDBD-1C2D-4C1E-B459-B60219FAB484}" type="datetimeFigureOut">
               <a:rPr lang="ko-KR" altLang="en-US" smtClean="0"/>
-              <a:t>2020-11-26</a:t>
+              <a:t>2020-11-27</a:t>
             </a:fld>
             <a:endParaRPr lang="ko-KR" altLang="en-US"/>
           </a:p>
@@ -2137,7 +2137,7 @@
           <a:p>
             <a:fld id="{FB30EDBD-1C2D-4C1E-B459-B60219FAB484}" type="datetimeFigureOut">
               <a:rPr lang="ko-KR" altLang="en-US" smtClean="0"/>
-              <a:t>2020-11-26</a:t>
+              <a:t>2020-11-27</a:t>
             </a:fld>
             <a:endParaRPr lang="ko-KR" altLang="en-US"/>
           </a:p>
@@ -2411,7 +2411,7 @@
           <a:p>
             <a:fld id="{FB30EDBD-1C2D-4C1E-B459-B60219FAB484}" type="datetimeFigureOut">
               <a:rPr lang="ko-KR" altLang="en-US" smtClean="0"/>
-              <a:t>2020-11-26</a:t>
+              <a:t>2020-11-27</a:t>
             </a:fld>
             <a:endParaRPr lang="ko-KR" altLang="en-US"/>
           </a:p>
@@ -2716,7 +2716,7 @@
           <a:p>
             <a:fld id="{FB30EDBD-1C2D-4C1E-B459-B60219FAB484}" type="datetimeFigureOut">
               <a:rPr lang="ko-KR" altLang="en-US" smtClean="0"/>
-              <a:t>2020-11-26</a:t>
+              <a:t>2020-11-27</a:t>
             </a:fld>
             <a:endParaRPr lang="ko-KR" altLang="en-US"/>
           </a:p>
@@ -3014,7 +3014,7 @@
           <a:p>
             <a:fld id="{FB30EDBD-1C2D-4C1E-B459-B60219FAB484}" type="datetimeFigureOut">
               <a:rPr lang="ko-KR" altLang="en-US" smtClean="0"/>
-              <a:t>2020-11-26</a:t>
+              <a:t>2020-11-27</a:t>
             </a:fld>
             <a:endParaRPr lang="ko-KR" altLang="en-US"/>
           </a:p>
@@ -7743,7 +7743,7 @@
           <p:nvPr>
             <p:extLst>
               <p:ext uri="{D42A27DB-BD31-4B8C-83A1-F6EECF244321}">
-                <p14:modId xmlns:p14="http://schemas.microsoft.com/office/powerpoint/2010/main" val="1914800267"/>
+                <p14:modId xmlns:p14="http://schemas.microsoft.com/office/powerpoint/2010/main" val="3922152765"/>
               </p:ext>
             </p:extLst>
           </p:nvPr>
@@ -8155,17 +8155,17 @@
                           <a:latin typeface="Noto Sans KR Medium" pitchFamily="34" charset="-127"/>
                           <a:ea typeface="Noto Sans KR Medium" pitchFamily="34" charset="-127"/>
                         </a:rPr>
-                        <a:t>초원 </a:t>
-                      </a:r>
-                      <a:r>
-                        <a:rPr lang="en-US" altLang="ko-KR" sz="1400" baseline="0">
+                        <a:t>바위산 </a:t>
+                      </a:r>
+                      <a:r>
+                        <a:rPr lang="en-US" altLang="ko-KR" sz="1400" baseline="0" dirty="0">
                           <a:latin typeface="Noto Sans KR Medium" pitchFamily="34" charset="-127"/>
                           <a:ea typeface="Noto Sans KR Medium" pitchFamily="34" charset="-127"/>
                         </a:rPr>
                         <a:t>1-1 </a:t>
                       </a:r>
                       <a:r>
-                        <a:rPr lang="ko-KR" altLang="en-US" sz="1400" baseline="0">
+                        <a:rPr lang="ko-KR" altLang="en-US" sz="1400" baseline="0" dirty="0">
                           <a:latin typeface="Noto Sans KR Medium" pitchFamily="34" charset="-127"/>
                           <a:ea typeface="Noto Sans KR Medium" pitchFamily="34" charset="-127"/>
                         </a:rPr>
@@ -8190,23 +8190,9 @@
                           <a:latin typeface="Noto Sans KR Medium" pitchFamily="34" charset="-127"/>
                           <a:ea typeface="Noto Sans KR Medium" pitchFamily="34" charset="-127"/>
                         </a:rPr>
-                        <a:t>Bgm</a:t>
-                      </a:r>
-                      <a:r>
-                        <a:rPr lang="en-US" altLang="ko-KR" sz="1400" dirty="0">
-                          <a:latin typeface="Noto Sans KR Medium" pitchFamily="34" charset="-127"/>
-                          <a:ea typeface="Noto Sans KR Medium" pitchFamily="34" charset="-127"/>
-                        </a:rPr>
-                        <a:t> </a:t>
-                      </a:r>
-                      <a:r>
-                        <a:rPr lang="ko-KR" altLang="en-US" sz="1400" dirty="0" err="1">
-                          <a:latin typeface="Noto Sans KR Medium" pitchFamily="34" charset="-127"/>
-                          <a:ea typeface="Noto Sans KR Medium" pitchFamily="34" charset="-127"/>
-                        </a:rPr>
-                        <a:t>바꿔야됨</a:t>
-                      </a:r>
-                      <a:endParaRPr lang="en-US" altLang="ko-KR" sz="1400">
+                        <a:t>bgm</a:t>
+                      </a:r>
+                      <a:endParaRPr lang="en-US" altLang="ko-KR" sz="1400" dirty="0">
                         <a:latin typeface="Noto Sans KR Medium" pitchFamily="34" charset="-127"/>
                         <a:ea typeface="Noto Sans KR Medium" pitchFamily="34" charset="-127"/>
                       </a:endParaRPr>
@@ -8255,6 +8241,48 @@
                     <a:lstStyle/>
                     <a:p>
                       <a:pPr algn="ctr" latinLnBrk="1"/>
+                      <a:r>
+                        <a:rPr lang="ko-KR" altLang="en-US" sz="1400" dirty="0">
+                          <a:latin typeface="Noto Sans KR Medium" pitchFamily="34" charset="-127"/>
+                          <a:ea typeface="Noto Sans KR Medium" pitchFamily="34" charset="-127"/>
+                        </a:rPr>
+                        <a:t>바위산 </a:t>
+                      </a:r>
+                      <a:r>
+                        <a:rPr lang="en-US" altLang="ko-KR" sz="1400" dirty="0">
+                          <a:latin typeface="Noto Sans KR Medium" pitchFamily="34" charset="-127"/>
+                          <a:ea typeface="Noto Sans KR Medium" pitchFamily="34" charset="-127"/>
+                        </a:rPr>
+                        <a:t>1-2 </a:t>
+                      </a:r>
+                      <a:r>
+                        <a:rPr lang="ko-KR" altLang="en-US" sz="1400" dirty="0">
+                          <a:latin typeface="Noto Sans KR Medium" pitchFamily="34" charset="-127"/>
+                          <a:ea typeface="Noto Sans KR Medium" pitchFamily="34" charset="-127"/>
+                        </a:rPr>
+                        <a:t>완성</a:t>
+                      </a:r>
+                      <a:endParaRPr lang="en-US" altLang="ko-KR" sz="1400" dirty="0">
+                        <a:latin typeface="Noto Sans KR Medium" pitchFamily="34" charset="-127"/>
+                        <a:ea typeface="Noto Sans KR Medium" pitchFamily="34" charset="-127"/>
+                      </a:endParaRPr>
+                    </a:p>
+                    <a:p>
+                      <a:pPr algn="ctr" latinLnBrk="1"/>
+                      <a:r>
+                        <a:rPr lang="en-US" altLang="ko-KR" sz="1400">
+                          <a:latin typeface="Noto Sans KR Medium" pitchFamily="34" charset="-127"/>
+                          <a:ea typeface="Noto Sans KR Medium" pitchFamily="34" charset="-127"/>
+                        </a:rPr>
+                        <a:t>1-3 </a:t>
+                      </a:r>
+                      <a:r>
+                        <a:rPr lang="ko-KR" altLang="en-US" sz="1400">
+                          <a:latin typeface="Noto Sans KR Medium" pitchFamily="34" charset="-127"/>
+                          <a:ea typeface="Noto Sans KR Medium" pitchFamily="34" charset="-127"/>
+                        </a:rPr>
+                        <a:t>작업</a:t>
+                      </a:r>
                       <a:endParaRPr lang="ko-KR" altLang="en-US" sz="1400" dirty="0">
                         <a:latin typeface="Noto Sans KR Medium" pitchFamily="34" charset="-127"/>
                         <a:ea typeface="Noto Sans KR Medium" pitchFamily="34" charset="-127"/>
@@ -8269,6 +8297,27 @@
                     <a:lstStyle/>
                     <a:p>
                       <a:pPr algn="ctr" latinLnBrk="1"/>
+                      <a:r>
+                        <a:rPr lang="ko-KR" altLang="en-US" sz="1400" dirty="0">
+                          <a:latin typeface="Noto Sans KR Medium" pitchFamily="34" charset="-127"/>
+                          <a:ea typeface="Noto Sans KR Medium" pitchFamily="34" charset="-127"/>
+                        </a:rPr>
+                        <a:t>숫자나무</a:t>
+                      </a:r>
+                      <a:r>
+                        <a:rPr lang="en-US" altLang="ko-KR" sz="1400" dirty="0">
+                          <a:latin typeface="Noto Sans KR Medium" pitchFamily="34" charset="-127"/>
+                          <a:ea typeface="Noto Sans KR Medium" pitchFamily="34" charset="-127"/>
+                        </a:rPr>
+                        <a:t>,</a:t>
+                      </a:r>
+                      <a:r>
+                        <a:rPr lang="ko-KR" altLang="en-US" sz="1400" dirty="0">
+                          <a:latin typeface="Noto Sans KR Medium" pitchFamily="34" charset="-127"/>
+                          <a:ea typeface="Noto Sans KR Medium" pitchFamily="34" charset="-127"/>
+                        </a:rPr>
+                        <a:t>수정</a:t>
+                      </a:r>
                       <a:endParaRPr lang="en-US" altLang="ko-KR" sz="1400" dirty="0">
                         <a:latin typeface="Noto Sans KR Medium" pitchFamily="34" charset="-127"/>
                         <a:ea typeface="Noto Sans KR Medium" pitchFamily="34" charset="-127"/>

--- a/2D Personal Game Project/새 Microsoft PowerPoint 프레젠테이션.pptx
+++ b/2D Personal Game Project/새 Microsoft PowerPoint 프레젠테이션.pptx
@@ -327,7 +327,7 @@
           <a:p>
             <a:fld id="{FB30EDBD-1C2D-4C1E-B459-B60219FAB484}" type="datetimeFigureOut">
               <a:rPr lang="ko-KR" altLang="en-US" smtClean="0"/>
-              <a:t>2020-11-27</a:t>
+              <a:t>2020-11-30</a:t>
             </a:fld>
             <a:endParaRPr lang="ko-KR" altLang="en-US"/>
           </a:p>
@@ -527,7 +527,7 @@
           <a:p>
             <a:fld id="{FB30EDBD-1C2D-4C1E-B459-B60219FAB484}" type="datetimeFigureOut">
               <a:rPr lang="ko-KR" altLang="en-US" smtClean="0"/>
-              <a:t>2020-11-27</a:t>
+              <a:t>2020-11-30</a:t>
             </a:fld>
             <a:endParaRPr lang="ko-KR" altLang="en-US"/>
           </a:p>
@@ -702,7 +702,7 @@
           <a:p>
             <a:fld id="{FB30EDBD-1C2D-4C1E-B459-B60219FAB484}" type="datetimeFigureOut">
               <a:rPr lang="ko-KR" altLang="en-US" smtClean="0"/>
-              <a:t>2020-11-27</a:t>
+              <a:t>2020-11-30</a:t>
             </a:fld>
             <a:endParaRPr lang="ko-KR" altLang="en-US"/>
           </a:p>
@@ -867,7 +867,7 @@
           <a:p>
             <a:fld id="{FB30EDBD-1C2D-4C1E-B459-B60219FAB484}" type="datetimeFigureOut">
               <a:rPr lang="ko-KR" altLang="en-US" smtClean="0"/>
-              <a:t>2020-11-27</a:t>
+              <a:t>2020-11-30</a:t>
             </a:fld>
             <a:endParaRPr lang="ko-KR" altLang="en-US"/>
           </a:p>
@@ -1115,7 +1115,7 @@
           <a:p>
             <a:fld id="{FB30EDBD-1C2D-4C1E-B459-B60219FAB484}" type="datetimeFigureOut">
               <a:rPr lang="ko-KR" altLang="en-US" smtClean="0"/>
-              <a:t>2020-11-27</a:t>
+              <a:t>2020-11-30</a:t>
             </a:fld>
             <a:endParaRPr lang="ko-KR" altLang="en-US"/>
           </a:p>
@@ -1433,7 +1433,7 @@
           <a:p>
             <a:fld id="{FB30EDBD-1C2D-4C1E-B459-B60219FAB484}" type="datetimeFigureOut">
               <a:rPr lang="ko-KR" altLang="en-US" smtClean="0"/>
-              <a:t>2020-11-27</a:t>
+              <a:t>2020-11-30</a:t>
             </a:fld>
             <a:endParaRPr lang="ko-KR" altLang="en-US"/>
           </a:p>
@@ -1899,7 +1899,7 @@
           <a:p>
             <a:fld id="{FB30EDBD-1C2D-4C1E-B459-B60219FAB484}" type="datetimeFigureOut">
               <a:rPr lang="ko-KR" altLang="en-US" smtClean="0"/>
-              <a:t>2020-11-27</a:t>
+              <a:t>2020-11-30</a:t>
             </a:fld>
             <a:endParaRPr lang="ko-KR" altLang="en-US"/>
           </a:p>
@@ -2047,7 +2047,7 @@
           <a:p>
             <a:fld id="{FB30EDBD-1C2D-4C1E-B459-B60219FAB484}" type="datetimeFigureOut">
               <a:rPr lang="ko-KR" altLang="en-US" smtClean="0"/>
-              <a:t>2020-11-27</a:t>
+              <a:t>2020-11-30</a:t>
             </a:fld>
             <a:endParaRPr lang="ko-KR" altLang="en-US"/>
           </a:p>
@@ -2137,7 +2137,7 @@
           <a:p>
             <a:fld id="{FB30EDBD-1C2D-4C1E-B459-B60219FAB484}" type="datetimeFigureOut">
               <a:rPr lang="ko-KR" altLang="en-US" smtClean="0"/>
-              <a:t>2020-11-27</a:t>
+              <a:t>2020-11-30</a:t>
             </a:fld>
             <a:endParaRPr lang="ko-KR" altLang="en-US"/>
           </a:p>
@@ -2411,7 +2411,7 @@
           <a:p>
             <a:fld id="{FB30EDBD-1C2D-4C1E-B459-B60219FAB484}" type="datetimeFigureOut">
               <a:rPr lang="ko-KR" altLang="en-US" smtClean="0"/>
-              <a:t>2020-11-27</a:t>
+              <a:t>2020-11-30</a:t>
             </a:fld>
             <a:endParaRPr lang="ko-KR" altLang="en-US"/>
           </a:p>
@@ -2716,7 +2716,7 @@
           <a:p>
             <a:fld id="{FB30EDBD-1C2D-4C1E-B459-B60219FAB484}" type="datetimeFigureOut">
               <a:rPr lang="ko-KR" altLang="en-US" smtClean="0"/>
-              <a:t>2020-11-27</a:t>
+              <a:t>2020-11-30</a:t>
             </a:fld>
             <a:endParaRPr lang="ko-KR" altLang="en-US"/>
           </a:p>
@@ -3014,7 +3014,7 @@
           <a:p>
             <a:fld id="{FB30EDBD-1C2D-4C1E-B459-B60219FAB484}" type="datetimeFigureOut">
               <a:rPr lang="ko-KR" altLang="en-US" smtClean="0"/>
-              <a:t>2020-11-27</a:t>
+              <a:t>2020-11-30</a:t>
             </a:fld>
             <a:endParaRPr lang="ko-KR" altLang="en-US"/>
           </a:p>
@@ -6725,7 +6725,7 @@
           <p:nvPr>
             <p:extLst>
               <p:ext uri="{D42A27DB-BD31-4B8C-83A1-F6EECF244321}">
-                <p14:modId xmlns:p14="http://schemas.microsoft.com/office/powerpoint/2010/main" val="3403995206"/>
+                <p14:modId xmlns:p14="http://schemas.microsoft.com/office/powerpoint/2010/main" val="3118597527"/>
               </p:ext>
             </p:extLst>
           </p:nvPr>
@@ -7530,11 +7530,11 @@
                     <a:p>
                       <a:pPr algn="ctr" latinLnBrk="1"/>
                       <a:r>
-                        <a:rPr lang="en-US" altLang="ko-KR" sz="1400" dirty="0">
-                          <a:latin typeface="Noto Sans KR Medium" pitchFamily="34" charset="-127"/>
-                          <a:ea typeface="Noto Sans KR Medium" pitchFamily="34" charset="-127"/>
-                        </a:rPr>
-                        <a:t>11-21</a:t>
+                        <a:rPr lang="en-US" altLang="ko-KR" sz="1400">
+                          <a:latin typeface="Noto Sans KR Medium" pitchFamily="34" charset="-127"/>
+                          <a:ea typeface="Noto Sans KR Medium" pitchFamily="34" charset="-127"/>
+                        </a:rPr>
+                        <a:t>11-21,22</a:t>
                       </a:r>
                       <a:endParaRPr lang="ko-KR" altLang="en-US" sz="1400" dirty="0">
                         <a:latin typeface="Noto Sans KR Medium" pitchFamily="34" charset="-127"/>
@@ -7596,7 +7596,7 @@
                         <a:t>포물선</a:t>
                       </a:r>
                       <a:r>
-                        <a:rPr lang="en-US" altLang="ko-KR" sz="1400">
+                        <a:rPr lang="en-US" altLang="ko-KR" sz="1400" dirty="0">
                           <a:latin typeface="Noto Sans KR Medium" pitchFamily="34" charset="-127"/>
                           <a:ea typeface="Noto Sans KR Medium" pitchFamily="34" charset="-127"/>
                         </a:rPr>
@@ -7743,7 +7743,7 @@
           <p:nvPr>
             <p:extLst>
               <p:ext uri="{D42A27DB-BD31-4B8C-83A1-F6EECF244321}">
-                <p14:modId xmlns:p14="http://schemas.microsoft.com/office/powerpoint/2010/main" val="3922152765"/>
+                <p14:modId xmlns:p14="http://schemas.microsoft.com/office/powerpoint/2010/main" val="1083718623"/>
               </p:ext>
             </p:extLst>
           </p:nvPr>
@@ -8344,7 +8344,7 @@
                           <a:latin typeface="Noto Sans KR Medium" pitchFamily="34" charset="-127"/>
                           <a:ea typeface="Noto Sans KR Medium" pitchFamily="34" charset="-127"/>
                         </a:rPr>
-                        <a:t>11-28</a:t>
+                        <a:t>11-28,29</a:t>
                       </a:r>
                       <a:endParaRPr lang="ko-KR" altLang="en-US" sz="1400" dirty="0">
                         <a:latin typeface="Noto Sans KR Medium" pitchFamily="34" charset="-127"/>
@@ -8360,10 +8360,20 @@
                     <a:lstStyle/>
                     <a:p>
                       <a:pPr algn="ctr" latinLnBrk="1"/>
-                      <a:endParaRPr lang="ko-KR" altLang="en-US" sz="1400" dirty="0">
-                        <a:latin typeface="Noto Sans KR Medium" pitchFamily="34" charset="-127"/>
-                        <a:ea typeface="Noto Sans KR Medium" pitchFamily="34" charset="-127"/>
-                      </a:endParaRPr>
+                      <a:r>
+                        <a:rPr lang="en-US" altLang="ko-KR" sz="1400" dirty="0">
+                          <a:latin typeface="Noto Sans KR Medium" pitchFamily="34" charset="-127"/>
+                          <a:ea typeface="Noto Sans KR Medium" pitchFamily="34" charset="-127"/>
+                        </a:rPr>
+                        <a:t>1-3 </a:t>
+                      </a:r>
+                      <a:r>
+                        <a:rPr lang="ko-KR" altLang="en-US" sz="1400" dirty="0">
+                          <a:latin typeface="Noto Sans KR Medium" pitchFamily="34" charset="-127"/>
+                          <a:ea typeface="Noto Sans KR Medium" pitchFamily="34" charset="-127"/>
+                        </a:rPr>
+                        <a:t>완성</a:t>
+                      </a:r>
                     </a:p>
                   </a:txBody>
                   <a:tcPr/>
